--- a/wwwroot/PowerPoint/Template.pptx
+++ b/wwwroot/PowerPoint/Template.pptx
@@ -6,8 +6,9 @@
   </p:sldMasterIdLst>
   <p:sldIdLst>
     <p:sldId id="256" r:id="rId2"/>
-    <p:sldId id="260" r:id="rId3"/>
-    <p:sldId id="261" r:id="rId4"/>
+    <p:sldId id="262" r:id="rId3"/>
+    <p:sldId id="260" r:id="rId4"/>
+    <p:sldId id="261" r:id="rId5"/>
   </p:sldIdLst>
   <p:sldSz cx="12192000" cy="6858000"/>
   <p:notesSz cx="6858000" cy="9144000"/>
@@ -1286,7 +1287,7 @@
           <a:p>
             <a:fld id="{5455A7CF-DB6C-4325-93B5-8C3F06D80356}" type="datetimeFigureOut">
               <a:rPr lang="en-US" smtClean="0"/>
-              <a:t>2/27/2019</a:t>
+              <a:t>12/6/2023</a:t>
             </a:fld>
             <a:endParaRPr lang="en-US"/>
           </a:p>
@@ -1484,7 +1485,7 @@
           <a:p>
             <a:fld id="{5455A7CF-DB6C-4325-93B5-8C3F06D80356}" type="datetimeFigureOut">
               <a:rPr lang="en-US" smtClean="0"/>
-              <a:t>2/27/2019</a:t>
+              <a:t>12/6/2023</a:t>
             </a:fld>
             <a:endParaRPr lang="en-US"/>
           </a:p>
@@ -1692,7 +1693,7 @@
           <a:p>
             <a:fld id="{5455A7CF-DB6C-4325-93B5-8C3F06D80356}" type="datetimeFigureOut">
               <a:rPr lang="en-US" smtClean="0"/>
-              <a:t>2/27/2019</a:t>
+              <a:t>12/6/2023</a:t>
             </a:fld>
             <a:endParaRPr lang="en-US"/>
           </a:p>
@@ -1890,7 +1891,7 @@
           <a:p>
             <a:fld id="{5455A7CF-DB6C-4325-93B5-8C3F06D80356}" type="datetimeFigureOut">
               <a:rPr lang="en-US" smtClean="0"/>
-              <a:t>2/27/2019</a:t>
+              <a:t>12/6/2023</a:t>
             </a:fld>
             <a:endParaRPr lang="en-US"/>
           </a:p>
@@ -2165,7 +2166,7 @@
           <a:p>
             <a:fld id="{5455A7CF-DB6C-4325-93B5-8C3F06D80356}" type="datetimeFigureOut">
               <a:rPr lang="en-US" smtClean="0"/>
-              <a:t>2/27/2019</a:t>
+              <a:t>12/6/2023</a:t>
             </a:fld>
             <a:endParaRPr lang="en-US"/>
           </a:p>
@@ -2430,7 +2431,7 @@
           <a:p>
             <a:fld id="{5455A7CF-DB6C-4325-93B5-8C3F06D80356}" type="datetimeFigureOut">
               <a:rPr lang="en-US" smtClean="0"/>
-              <a:t>2/27/2019</a:t>
+              <a:t>12/6/2023</a:t>
             </a:fld>
             <a:endParaRPr lang="en-US"/>
           </a:p>
@@ -2842,7 +2843,7 @@
           <a:p>
             <a:fld id="{5455A7CF-DB6C-4325-93B5-8C3F06D80356}" type="datetimeFigureOut">
               <a:rPr lang="en-US" smtClean="0"/>
-              <a:t>2/27/2019</a:t>
+              <a:t>12/6/2023</a:t>
             </a:fld>
             <a:endParaRPr lang="en-US"/>
           </a:p>
@@ -2983,7 +2984,7 @@
           <a:p>
             <a:fld id="{5455A7CF-DB6C-4325-93B5-8C3F06D80356}" type="datetimeFigureOut">
               <a:rPr lang="en-US" smtClean="0"/>
-              <a:t>2/27/2019</a:t>
+              <a:t>12/6/2023</a:t>
             </a:fld>
             <a:endParaRPr lang="en-US"/>
           </a:p>
@@ -3096,7 +3097,7 @@
           <a:p>
             <a:fld id="{5455A7CF-DB6C-4325-93B5-8C3F06D80356}" type="datetimeFigureOut">
               <a:rPr lang="en-US" smtClean="0"/>
-              <a:t>2/27/2019</a:t>
+              <a:t>12/6/2023</a:t>
             </a:fld>
             <a:endParaRPr lang="en-US"/>
           </a:p>
@@ -3407,7 +3408,7 @@
           <a:p>
             <a:fld id="{5455A7CF-DB6C-4325-93B5-8C3F06D80356}" type="datetimeFigureOut">
               <a:rPr lang="en-US" smtClean="0"/>
-              <a:t>2/27/2019</a:t>
+              <a:t>12/6/2023</a:t>
             </a:fld>
             <a:endParaRPr lang="en-US"/>
           </a:p>
@@ -3695,7 +3696,7 @@
           <a:p>
             <a:fld id="{5455A7CF-DB6C-4325-93B5-8C3F06D80356}" type="datetimeFigureOut">
               <a:rPr lang="en-US" smtClean="0"/>
-              <a:t>2/27/2019</a:t>
+              <a:t>12/6/2023</a:t>
             </a:fld>
             <a:endParaRPr lang="en-US"/>
           </a:p>
@@ -3936,7 +3937,7 @@
           <a:p>
             <a:fld id="{5455A7CF-DB6C-4325-93B5-8C3F06D80356}" type="datetimeFigureOut">
               <a:rPr lang="en-US" smtClean="0"/>
-              <a:t>2/27/2019</a:t>
+              <a:t>12/6/2023</a:t>
             </a:fld>
             <a:endParaRPr lang="en-US"/>
           </a:p>
@@ -4567,6 +4568,580 @@
           <a:chExt cx="0" cy="0"/>
         </a:xfrm>
       </p:grpSpPr>
+      <p:sp>
+        <p:nvSpPr>
+          <p:cNvPr id="10" name="Title 1">
+            <a:extLst>
+              <a:ext uri="{FF2B5EF4-FFF2-40B4-BE49-F238E27FC236}">
+                <a16:creationId xmlns:a16="http://schemas.microsoft.com/office/drawing/2014/main" id="{DAF446A2-4B07-1266-1DE8-BD5AF6C1E126}"/>
+              </a:ext>
+            </a:extLst>
+          </p:cNvPr>
+          <p:cNvSpPr txBox="1">
+            <a:spLocks/>
+          </p:cNvSpPr>
+          <p:nvPr/>
+        </p:nvSpPr>
+        <p:spPr>
+          <a:xfrm>
+            <a:off x="761839" y="871146"/>
+            <a:ext cx="4544762" cy="1401183"/>
+          </a:xfrm>
+          <a:prstGeom prst="rect">
+            <a:avLst/>
+          </a:prstGeom>
+        </p:spPr>
+        <p:txBody>
+          <a:bodyPr vert="horz" lIns="91440" tIns="45720" rIns="91440" bIns="45720" rtlCol="0" anchor="t">
+            <a:normAutofit/>
+          </a:bodyPr>
+          <a:lstStyle>
+            <a:lvl1pPr algn="l" defTabSz="914400" rtl="0" eaLnBrk="1" latinLnBrk="0" hangingPunct="1">
+              <a:lnSpc>
+                <a:spcPct val="90000"/>
+              </a:lnSpc>
+              <a:spcBef>
+                <a:spcPct val="0"/>
+              </a:spcBef>
+              <a:buNone/>
+              <a:defRPr sz="4400" kern="1200">
+                <a:solidFill>
+                  <a:schemeClr val="tx1"/>
+                </a:solidFill>
+                <a:latin typeface="+mj-lt"/>
+                <a:ea typeface="+mj-ea"/>
+                <a:cs typeface="+mj-cs"/>
+              </a:defRPr>
+            </a:lvl1pPr>
+          </a:lstStyle>
+          <a:p>
+            <a:r>
+              <a:rPr lang="en-US" sz="3200" dirty="0">
+                <a:latin typeface="+mn-lt"/>
+              </a:rPr>
+              <a:t>CHEST X-RAY REPORT</a:t>
+            </a:r>
+          </a:p>
+        </p:txBody>
+      </p:sp>
+      <p:sp>
+        <p:nvSpPr>
+          <p:cNvPr id="11" name="Rectangle 9">
+            <a:extLst>
+              <a:ext uri="{FF2B5EF4-FFF2-40B4-BE49-F238E27FC236}">
+                <a16:creationId xmlns:a16="http://schemas.microsoft.com/office/drawing/2014/main" id="{5673CC79-1B73-5AA5-74EE-DCBA87C263E6}"/>
+              </a:ext>
+            </a:extLst>
+          </p:cNvPr>
+          <p:cNvSpPr>
+            <a:spLocks noChangeArrowheads="1"/>
+          </p:cNvSpPr>
+          <p:nvPr/>
+        </p:nvSpPr>
+        <p:spPr bwMode="auto">
+          <a:xfrm>
+            <a:off x="761839" y="1760198"/>
+            <a:ext cx="5334161" cy="4147998"/>
+          </a:xfrm>
+          <a:prstGeom prst="rect">
+            <a:avLst/>
+          </a:prstGeom>
+          <a:extLst>
+            <a:ext uri="{909E8E84-426E-40DD-AFC4-6F175D3DCCD1}">
+              <a14:hiddenFill xmlns:a14="http://schemas.microsoft.com/office/drawing/2010/main">
+                <a:solidFill>
+                  <a:schemeClr val="accent1"/>
+                </a:solidFill>
+              </a14:hiddenFill>
+            </a:ext>
+            <a:ext uri="{91240B29-F687-4F45-9708-019B960494DF}">
+              <a14:hiddenLine xmlns:a14="http://schemas.microsoft.com/office/drawing/2010/main" w="9525">
+                <a:solidFill>
+                  <a:schemeClr val="tx1"/>
+                </a:solidFill>
+                <a:miter lim="800000"/>
+                <a:headEnd/>
+                <a:tailEnd/>
+              </a14:hiddenLine>
+            </a:ext>
+            <a:ext uri="{AF507438-7753-43E0-B8FC-AC1667EBCBE1}">
+              <a14:hiddenEffects xmlns:a14="http://schemas.microsoft.com/office/drawing/2010/main">
+                <a:effectLst>
+                  <a:outerShdw dist="35921" dir="2700000" algn="ctr" rotWithShape="0">
+                    <a:schemeClr val="bg2"/>
+                  </a:outerShdw>
+                </a:effectLst>
+              </a14:hiddenEffects>
+            </a:ext>
+          </a:extLst>
+        </p:spPr>
+        <p:txBody>
+          <a:bodyPr vert="horz" lIns="91440" tIns="45720" rIns="91440" bIns="45720" numCol="1" rtlCol="0" anchorCtr="0" compatLnSpc="1">
+            <a:prstTxWarp prst="textNoShape">
+              <a:avLst/>
+            </a:prstTxWarp>
+            <a:noAutofit/>
+          </a:bodyPr>
+          <a:lstStyle>
+            <a:lvl1pPr eaLnBrk="0" fontAlgn="base" hangingPunct="0">
+              <a:spcBef>
+                <a:spcPct val="0"/>
+              </a:spcBef>
+              <a:spcAft>
+                <a:spcPct val="0"/>
+              </a:spcAft>
+              <a:defRPr>
+                <a:solidFill>
+                  <a:schemeClr val="tx1"/>
+                </a:solidFill>
+                <a:latin typeface="Arial" panose="020B0604020202020204" pitchFamily="34" charset="0"/>
+              </a:defRPr>
+            </a:lvl1pPr>
+            <a:lvl2pPr eaLnBrk="0" fontAlgn="base" hangingPunct="0">
+              <a:spcBef>
+                <a:spcPct val="0"/>
+              </a:spcBef>
+              <a:spcAft>
+                <a:spcPct val="0"/>
+              </a:spcAft>
+              <a:defRPr>
+                <a:solidFill>
+                  <a:schemeClr val="tx1"/>
+                </a:solidFill>
+                <a:latin typeface="Arial" panose="020B0604020202020204" pitchFamily="34" charset="0"/>
+              </a:defRPr>
+            </a:lvl2pPr>
+            <a:lvl3pPr eaLnBrk="0" fontAlgn="base" hangingPunct="0">
+              <a:spcBef>
+                <a:spcPct val="0"/>
+              </a:spcBef>
+              <a:spcAft>
+                <a:spcPct val="0"/>
+              </a:spcAft>
+              <a:defRPr>
+                <a:solidFill>
+                  <a:schemeClr val="tx1"/>
+                </a:solidFill>
+                <a:latin typeface="Arial" panose="020B0604020202020204" pitchFamily="34" charset="0"/>
+              </a:defRPr>
+            </a:lvl3pPr>
+            <a:lvl4pPr eaLnBrk="0" fontAlgn="base" hangingPunct="0">
+              <a:spcBef>
+                <a:spcPct val="0"/>
+              </a:spcBef>
+              <a:spcAft>
+                <a:spcPct val="0"/>
+              </a:spcAft>
+              <a:defRPr>
+                <a:solidFill>
+                  <a:schemeClr val="tx1"/>
+                </a:solidFill>
+                <a:latin typeface="Arial" panose="020B0604020202020204" pitchFamily="34" charset="0"/>
+              </a:defRPr>
+            </a:lvl4pPr>
+            <a:lvl5pPr eaLnBrk="0" fontAlgn="base" hangingPunct="0">
+              <a:spcBef>
+                <a:spcPct val="0"/>
+              </a:spcBef>
+              <a:spcAft>
+                <a:spcPct val="0"/>
+              </a:spcAft>
+              <a:defRPr>
+                <a:solidFill>
+                  <a:schemeClr val="tx1"/>
+                </a:solidFill>
+                <a:latin typeface="Arial" panose="020B0604020202020204" pitchFamily="34" charset="0"/>
+              </a:defRPr>
+            </a:lvl5pPr>
+            <a:lvl6pPr eaLnBrk="0" fontAlgn="base" hangingPunct="0">
+              <a:spcBef>
+                <a:spcPct val="0"/>
+              </a:spcBef>
+              <a:spcAft>
+                <a:spcPct val="0"/>
+              </a:spcAft>
+              <a:defRPr>
+                <a:solidFill>
+                  <a:schemeClr val="tx1"/>
+                </a:solidFill>
+                <a:latin typeface="Arial" panose="020B0604020202020204" pitchFamily="34" charset="0"/>
+              </a:defRPr>
+            </a:lvl6pPr>
+            <a:lvl7pPr eaLnBrk="0" fontAlgn="base" hangingPunct="0">
+              <a:spcBef>
+                <a:spcPct val="0"/>
+              </a:spcBef>
+              <a:spcAft>
+                <a:spcPct val="0"/>
+              </a:spcAft>
+              <a:defRPr>
+                <a:solidFill>
+                  <a:schemeClr val="tx1"/>
+                </a:solidFill>
+                <a:latin typeface="Arial" panose="020B0604020202020204" pitchFamily="34" charset="0"/>
+              </a:defRPr>
+            </a:lvl7pPr>
+            <a:lvl8pPr eaLnBrk="0" fontAlgn="base" hangingPunct="0">
+              <a:spcBef>
+                <a:spcPct val="0"/>
+              </a:spcBef>
+              <a:spcAft>
+                <a:spcPct val="0"/>
+              </a:spcAft>
+              <a:defRPr>
+                <a:solidFill>
+                  <a:schemeClr val="tx1"/>
+                </a:solidFill>
+                <a:latin typeface="Arial" panose="020B0604020202020204" pitchFamily="34" charset="0"/>
+              </a:defRPr>
+            </a:lvl8pPr>
+            <a:lvl9pPr eaLnBrk="0" fontAlgn="base" hangingPunct="0">
+              <a:spcBef>
+                <a:spcPct val="0"/>
+              </a:spcBef>
+              <a:spcAft>
+                <a:spcPct val="0"/>
+              </a:spcAft>
+              <a:defRPr>
+                <a:solidFill>
+                  <a:schemeClr val="tx1"/>
+                </a:solidFill>
+                <a:latin typeface="Arial" panose="020B0604020202020204" pitchFamily="34" charset="0"/>
+              </a:defRPr>
+            </a:lvl9pPr>
+          </a:lstStyle>
+          <a:p>
+            <a:pPr marL="0" marR="0" lvl="0" indent="-228600" eaLnBrk="1" fontAlgn="base" hangingPunct="1">
+              <a:lnSpc>
+                <a:spcPct val="90000"/>
+              </a:lnSpc>
+              <a:spcBef>
+                <a:spcPct val="0"/>
+              </a:spcBef>
+              <a:spcAft>
+                <a:spcPts val="600"/>
+              </a:spcAft>
+              <a:buClrTx/>
+              <a:buSzTx/>
+              <a:buFont typeface="Arial" panose="020B0604020202020204" pitchFamily="34" charset="0"/>
+              <a:buChar char="•"/>
+              <a:tabLst/>
+            </a:pPr>
+            <a:endParaRPr lang="en-US" altLang="en-US" dirty="0">
+              <a:latin typeface="+mn-lt"/>
+            </a:endParaRPr>
+          </a:p>
+          <a:p>
+            <a:pPr marR="0" lvl="0" eaLnBrk="1" fontAlgn="base" hangingPunct="1">
+              <a:lnSpc>
+                <a:spcPct val="90000"/>
+              </a:lnSpc>
+              <a:spcBef>
+                <a:spcPct val="0"/>
+              </a:spcBef>
+              <a:spcAft>
+                <a:spcPts val="600"/>
+              </a:spcAft>
+              <a:buClrTx/>
+              <a:buSzTx/>
+              <a:tabLst/>
+            </a:pPr>
+            <a:r>
+              <a:rPr lang="en-US" altLang="en-US" b="1" dirty="0">
+                <a:latin typeface="+mn-lt"/>
+              </a:rPr>
+              <a:t>X-ray Number : </a:t>
+            </a:r>
+            <a:r>
+              <a:rPr lang="en-US" altLang="en-US" dirty="0">
+                <a:latin typeface="+mn-lt"/>
+              </a:rPr>
+              <a:t>52587412</a:t>
+            </a:r>
+          </a:p>
+          <a:p>
+            <a:pPr marL="0" marR="0" lvl="0" indent="-228600" eaLnBrk="1" fontAlgn="base" hangingPunct="1">
+              <a:lnSpc>
+                <a:spcPct val="90000"/>
+              </a:lnSpc>
+              <a:spcBef>
+                <a:spcPct val="0"/>
+              </a:spcBef>
+              <a:spcAft>
+                <a:spcPts val="600"/>
+              </a:spcAft>
+              <a:buClrTx/>
+              <a:buSzTx/>
+              <a:buFont typeface="Arial" panose="020B0604020202020204" pitchFamily="34" charset="0"/>
+              <a:buChar char="•"/>
+              <a:tabLst/>
+            </a:pPr>
+            <a:endParaRPr lang="en-US" altLang="en-US" dirty="0">
+              <a:latin typeface="+mn-lt"/>
+            </a:endParaRPr>
+          </a:p>
+          <a:p>
+            <a:pPr marR="0" lvl="0" eaLnBrk="1" fontAlgn="base" hangingPunct="1">
+              <a:lnSpc>
+                <a:spcPct val="90000"/>
+              </a:lnSpc>
+              <a:spcBef>
+                <a:spcPct val="0"/>
+              </a:spcBef>
+              <a:spcAft>
+                <a:spcPts val="600"/>
+              </a:spcAft>
+              <a:buClrTx/>
+              <a:buSzTx/>
+              <a:tabLst/>
+            </a:pPr>
+            <a:r>
+              <a:rPr lang="en-US" altLang="en-US" b="1" dirty="0">
+                <a:latin typeface="+mn-lt"/>
+              </a:rPr>
+              <a:t>READINGS :</a:t>
+            </a:r>
+          </a:p>
+          <a:p>
+            <a:pPr marL="0" marR="0" lvl="0" indent="-228600" eaLnBrk="1" fontAlgn="base" hangingPunct="1">
+              <a:spcBef>
+                <a:spcPct val="0"/>
+              </a:spcBef>
+              <a:spcAft>
+                <a:spcPts val="600"/>
+              </a:spcAft>
+              <a:buClrTx/>
+              <a:buSzTx/>
+              <a:buFont typeface="Arial" panose="020B0604020202020204" pitchFamily="34" charset="0"/>
+              <a:buChar char="•"/>
+              <a:tabLst/>
+            </a:pPr>
+            <a:r>
+              <a:rPr lang="en-US" altLang="en-US" b="1" dirty="0">
+                <a:latin typeface="+mn-lt"/>
+              </a:rPr>
+              <a:t>Lungs : </a:t>
+            </a:r>
+            <a:r>
+              <a:rPr lang="en-US" altLang="en-US" dirty="0">
+                <a:latin typeface="+mn-lt"/>
+              </a:rPr>
+              <a:t>Clear and well-inflated; no signs of pneumonia, pneumothorax, or effusion.</a:t>
+            </a:r>
+          </a:p>
+          <a:p>
+            <a:pPr marL="0" marR="0" lvl="0" indent="-228600" eaLnBrk="1" fontAlgn="base" hangingPunct="1">
+              <a:spcBef>
+                <a:spcPct val="0"/>
+              </a:spcBef>
+              <a:spcAft>
+                <a:spcPts val="600"/>
+              </a:spcAft>
+              <a:buClrTx/>
+              <a:buSzTx/>
+              <a:buFont typeface="Arial" panose="020B0604020202020204" pitchFamily="34" charset="0"/>
+              <a:buChar char="•"/>
+              <a:tabLst/>
+            </a:pPr>
+            <a:r>
+              <a:rPr lang="en-US" altLang="en-US" b="1" dirty="0">
+                <a:latin typeface="+mn-lt"/>
+              </a:rPr>
+              <a:t>Heart : </a:t>
+            </a:r>
+            <a:r>
+              <a:rPr lang="en-US" altLang="en-US" dirty="0">
+                <a:latin typeface="+mn-lt"/>
+              </a:rPr>
+              <a:t>Normal size and shape; cardiac silhouette within normal limits; no cardiomegaly or pericardial effusion. </a:t>
+            </a:r>
+          </a:p>
+          <a:p>
+            <a:pPr marL="0" marR="0" lvl="0" indent="-228600" eaLnBrk="1" fontAlgn="base" hangingPunct="1">
+              <a:spcBef>
+                <a:spcPct val="0"/>
+              </a:spcBef>
+              <a:spcAft>
+                <a:spcPts val="600"/>
+              </a:spcAft>
+              <a:buClrTx/>
+              <a:buSzTx/>
+              <a:buFont typeface="Arial" panose="020B0604020202020204" pitchFamily="34" charset="0"/>
+              <a:buChar char="•"/>
+              <a:tabLst/>
+            </a:pPr>
+            <a:r>
+              <a:rPr lang="en-US" altLang="en-US" b="1" dirty="0">
+                <a:latin typeface="+mn-lt"/>
+              </a:rPr>
+              <a:t>Diaphragms : </a:t>
+            </a:r>
+            <a:r>
+              <a:rPr lang="en-US" altLang="en-US" dirty="0">
+                <a:latin typeface="+mn-lt"/>
+              </a:rPr>
+              <a:t>Well-defined and even; no elevation or depression.</a:t>
+            </a:r>
+          </a:p>
+          <a:p>
+            <a:pPr marL="0" marR="0" lvl="0" indent="-228600" eaLnBrk="1" fontAlgn="base" hangingPunct="1">
+              <a:spcBef>
+                <a:spcPct val="0"/>
+              </a:spcBef>
+              <a:spcAft>
+                <a:spcPts val="600"/>
+              </a:spcAft>
+              <a:buClrTx/>
+              <a:buSzTx/>
+              <a:buFont typeface="Arial" panose="020B0604020202020204" pitchFamily="34" charset="0"/>
+              <a:buChar char="•"/>
+              <a:tabLst/>
+            </a:pPr>
+            <a:r>
+              <a:rPr lang="en-US" altLang="en-US" b="1" dirty="0">
+                <a:latin typeface="+mn-lt"/>
+              </a:rPr>
+              <a:t>Bones : </a:t>
+            </a:r>
+            <a:r>
+              <a:rPr lang="en-US" altLang="en-US" dirty="0">
+                <a:latin typeface="+mn-lt"/>
+              </a:rPr>
+              <a:t>Normal appearance; no fractures or dislocations.</a:t>
+            </a:r>
+          </a:p>
+        </p:txBody>
+      </p:sp>
+      <p:pic>
+        <p:nvPicPr>
+          <p:cNvPr id="12" name="Picture 1" descr="A chest x-ray of a person&#10;&#10;Description automatically generated">
+            <a:extLst>
+              <a:ext uri="{FF2B5EF4-FFF2-40B4-BE49-F238E27FC236}">
+                <a16:creationId xmlns:a16="http://schemas.microsoft.com/office/drawing/2014/main" id="{E3689B34-F6A6-D4EE-3C2A-7FB96FFCDC5B}"/>
+              </a:ext>
+            </a:extLst>
+          </p:cNvPr>
+          <p:cNvPicPr>
+            <a:picLocks noChangeAspect="1" noChangeArrowheads="1"/>
+          </p:cNvPicPr>
+          <p:nvPr/>
+        </p:nvPicPr>
+        <p:blipFill>
+          <a:blip r:embed="rId2">
+            <a:extLst>
+              <a:ext uri="{28A0092B-C50C-407E-A947-70E740481C1C}">
+                <a14:useLocalDpi xmlns:a14="http://schemas.microsoft.com/office/drawing/2010/main" val="0"/>
+              </a:ext>
+            </a:extLst>
+          </a:blip>
+          <a:stretch>
+            <a:fillRect/>
+          </a:stretch>
+        </p:blipFill>
+        <p:spPr bwMode="auto">
+          <a:xfrm>
+            <a:off x="7069394" y="771754"/>
+            <a:ext cx="4005494" cy="4579148"/>
+          </a:xfrm>
+          <a:prstGeom prst="rect">
+            <a:avLst/>
+          </a:prstGeom>
+          <a:noFill/>
+          <a:extLst>
+            <a:ext uri="{909E8E84-426E-40DD-AFC4-6F175D3DCCD1}">
+              <a14:hiddenFill xmlns:a14="http://schemas.microsoft.com/office/drawing/2010/main">
+                <a:solidFill>
+                  <a:srgbClr val="FFFFFF"/>
+                </a:solidFill>
+              </a14:hiddenFill>
+            </a:ext>
+          </a:extLst>
+        </p:spPr>
+      </p:pic>
+      <p:sp>
+        <p:nvSpPr>
+          <p:cNvPr id="13" name="Text Box 6">
+            <a:extLst>
+              <a:ext uri="{FF2B5EF4-FFF2-40B4-BE49-F238E27FC236}">
+                <a16:creationId xmlns:a16="http://schemas.microsoft.com/office/drawing/2014/main" id="{D0E5E2ED-8D7A-4B6D-4121-1EDA37E9CBED}"/>
+              </a:ext>
+            </a:extLst>
+          </p:cNvPr>
+          <p:cNvSpPr txBox="1"/>
+          <p:nvPr/>
+        </p:nvSpPr>
+        <p:spPr>
+          <a:xfrm>
+            <a:off x="7695739" y="5452777"/>
+            <a:ext cx="3198403" cy="230832"/>
+          </a:xfrm>
+          <a:prstGeom prst="rect">
+            <a:avLst/>
+          </a:prstGeom>
+          <a:solidFill>
+            <a:prstClr val="white"/>
+          </a:solidFill>
+          <a:ln>
+            <a:noFill/>
+          </a:ln>
+        </p:spPr>
+        <p:txBody>
+          <a:bodyPr rot="0" spcFirstLastPara="0" vert="horz" wrap="square" lIns="0" tIns="0" rIns="0" bIns="0" numCol="1" spcCol="0" rtlCol="0" fromWordArt="0" anchor="t" anchorCtr="0" forceAA="0" compatLnSpc="1">
+            <a:prstTxWarp prst="textNoShape">
+              <a:avLst/>
+            </a:prstTxWarp>
+            <a:spAutoFit/>
+          </a:bodyPr>
+          <a:lstStyle/>
+          <a:p>
+            <a:pPr marL="0" marR="0" algn="ctr">
+              <a:spcBef>
+                <a:spcPts val="0"/>
+              </a:spcBef>
+              <a:spcAft>
+                <a:spcPts val="0"/>
+              </a:spcAft>
+            </a:pPr>
+            <a:r>
+              <a:rPr lang="en-US" sz="1500" i="1" dirty="0">
+                <a:effectLst/>
+                <a:ea typeface="Times New Roman" panose="02020603050405020304" pitchFamily="18" charset="0"/>
+              </a:rPr>
+              <a:t>Figure 1: Chest X-ray- TIFF Version</a:t>
+            </a:r>
+          </a:p>
+        </p:txBody>
+      </p:sp>
+    </p:spTree>
+    <p:extLst>
+      <p:ext uri="{BB962C8B-B14F-4D97-AF65-F5344CB8AC3E}">
+        <p14:creationId xmlns:p14="http://schemas.microsoft.com/office/powerpoint/2010/main" val="4027211067"/>
+      </p:ext>
+    </p:extLst>
+  </p:cSld>
+  <p:clrMapOvr>
+    <a:masterClrMapping/>
+  </p:clrMapOvr>
+</p:sld>
+</file>
+
+<file path=ppt/slides/slide3.xml><?xml version="1.0" encoding="utf-8"?>
+<p:sld xmlns:a="http://schemas.openxmlformats.org/drawingml/2006/main" xmlns:r="http://schemas.openxmlformats.org/officeDocument/2006/relationships" xmlns:p="http://schemas.openxmlformats.org/presentationml/2006/main">
+  <p:cSld>
+    <p:spTree>
+      <p:nvGrpSpPr>
+        <p:cNvPr id="1" name=""/>
+        <p:cNvGrpSpPr/>
+        <p:nvPr/>
+      </p:nvGrpSpPr>
+      <p:grpSpPr>
+        <a:xfrm>
+          <a:off x="0" y="0"/>
+          <a:ext cx="0" cy="0"/>
+          <a:chOff x="0" y="0"/>
+          <a:chExt cx="0" cy="0"/>
+        </a:xfrm>
+      </p:grpSpPr>
       <p:graphicFrame>
         <p:nvGraphicFramePr>
           <p:cNvPr id="4" name="Chart 3">
@@ -4608,7 +5183,7 @@
 </p:sld>
 </file>
 
-<file path=ppt/slides/slide3.xml><?xml version="1.0" encoding="utf-8"?>
+<file path=ppt/slides/slide4.xml><?xml version="1.0" encoding="utf-8"?>
 <p:sld xmlns:a="http://schemas.openxmlformats.org/drawingml/2006/main" xmlns:r="http://schemas.openxmlformats.org/officeDocument/2006/relationships" xmlns:p="http://schemas.openxmlformats.org/presentationml/2006/main">
   <p:cSld>
     <p:spTree>

--- a/wwwroot/PowerPoint/Template.pptx
+++ b/wwwroot/PowerPoint/Template.pptx
@@ -1287,7 +1287,7 @@
           <a:p>
             <a:fld id="{5455A7CF-DB6C-4325-93B5-8C3F06D80356}" type="datetimeFigureOut">
               <a:rPr lang="en-US" smtClean="0"/>
-              <a:t>12/6/2023</a:t>
+              <a:t>5/13/2024</a:t>
             </a:fld>
             <a:endParaRPr lang="en-US"/>
           </a:p>
@@ -1485,7 +1485,7 @@
           <a:p>
             <a:fld id="{5455A7CF-DB6C-4325-93B5-8C3F06D80356}" type="datetimeFigureOut">
               <a:rPr lang="en-US" smtClean="0"/>
-              <a:t>12/6/2023</a:t>
+              <a:t>5/13/2024</a:t>
             </a:fld>
             <a:endParaRPr lang="en-US"/>
           </a:p>
@@ -1693,7 +1693,7 @@
           <a:p>
             <a:fld id="{5455A7CF-DB6C-4325-93B5-8C3F06D80356}" type="datetimeFigureOut">
               <a:rPr lang="en-US" smtClean="0"/>
-              <a:t>12/6/2023</a:t>
+              <a:t>5/13/2024</a:t>
             </a:fld>
             <a:endParaRPr lang="en-US"/>
           </a:p>
@@ -1891,7 +1891,7 @@
           <a:p>
             <a:fld id="{5455A7CF-DB6C-4325-93B5-8C3F06D80356}" type="datetimeFigureOut">
               <a:rPr lang="en-US" smtClean="0"/>
-              <a:t>12/6/2023</a:t>
+              <a:t>5/13/2024</a:t>
             </a:fld>
             <a:endParaRPr lang="en-US"/>
           </a:p>
@@ -2166,7 +2166,7 @@
           <a:p>
             <a:fld id="{5455A7CF-DB6C-4325-93B5-8C3F06D80356}" type="datetimeFigureOut">
               <a:rPr lang="en-US" smtClean="0"/>
-              <a:t>12/6/2023</a:t>
+              <a:t>5/13/2024</a:t>
             </a:fld>
             <a:endParaRPr lang="en-US"/>
           </a:p>
@@ -2431,7 +2431,7 @@
           <a:p>
             <a:fld id="{5455A7CF-DB6C-4325-93B5-8C3F06D80356}" type="datetimeFigureOut">
               <a:rPr lang="en-US" smtClean="0"/>
-              <a:t>12/6/2023</a:t>
+              <a:t>5/13/2024</a:t>
             </a:fld>
             <a:endParaRPr lang="en-US"/>
           </a:p>
@@ -2843,7 +2843,7 @@
           <a:p>
             <a:fld id="{5455A7CF-DB6C-4325-93B5-8C3F06D80356}" type="datetimeFigureOut">
               <a:rPr lang="en-US" smtClean="0"/>
-              <a:t>12/6/2023</a:t>
+              <a:t>5/13/2024</a:t>
             </a:fld>
             <a:endParaRPr lang="en-US"/>
           </a:p>
@@ -2984,7 +2984,7 @@
           <a:p>
             <a:fld id="{5455A7CF-DB6C-4325-93B5-8C3F06D80356}" type="datetimeFigureOut">
               <a:rPr lang="en-US" smtClean="0"/>
-              <a:t>12/6/2023</a:t>
+              <a:t>5/13/2024</a:t>
             </a:fld>
             <a:endParaRPr lang="en-US"/>
           </a:p>
@@ -3097,7 +3097,7 @@
           <a:p>
             <a:fld id="{5455A7CF-DB6C-4325-93B5-8C3F06D80356}" type="datetimeFigureOut">
               <a:rPr lang="en-US" smtClean="0"/>
-              <a:t>12/6/2023</a:t>
+              <a:t>5/13/2024</a:t>
             </a:fld>
             <a:endParaRPr lang="en-US"/>
           </a:p>
@@ -3408,7 +3408,7 @@
           <a:p>
             <a:fld id="{5455A7CF-DB6C-4325-93B5-8C3F06D80356}" type="datetimeFigureOut">
               <a:rPr lang="en-US" smtClean="0"/>
-              <a:t>12/6/2023</a:t>
+              <a:t>5/13/2024</a:t>
             </a:fld>
             <a:endParaRPr lang="en-US"/>
           </a:p>
@@ -3696,7 +3696,7 @@
           <a:p>
             <a:fld id="{5455A7CF-DB6C-4325-93B5-8C3F06D80356}" type="datetimeFigureOut">
               <a:rPr lang="en-US" smtClean="0"/>
-              <a:t>12/6/2023</a:t>
+              <a:t>5/13/2024</a:t>
             </a:fld>
             <a:endParaRPr lang="en-US"/>
           </a:p>
@@ -3937,7 +3937,7 @@
           <a:p>
             <a:fld id="{5455A7CF-DB6C-4325-93B5-8C3F06D80356}" type="datetimeFigureOut">
               <a:rPr lang="en-US" smtClean="0"/>
-              <a:t>12/6/2023</a:t>
+              <a:t>5/13/2024</a:t>
             </a:fld>
             <a:endParaRPr lang="en-US"/>
           </a:p>
@@ -4393,7 +4393,7 @@
         <p:spPr bwMode="white">
           <a:xfrm>
             <a:off x="675894" y="1799971"/>
-            <a:ext cx="11102213" cy="986790"/>
+            <a:ext cx="11102213" cy="923330"/>
           </a:xfrm>
           <a:prstGeom prst="rect">
             <a:avLst/>
@@ -4412,7 +4412,19 @@
             <a:pPr defTabSz="914400"/>
             <a:r>
               <a:rPr dirty="0"/>
-              <a:t>IMN Solutions PVT LTD is the software company, established in 1987, by George Milton. The company has been listed as the trusted partner for many high-profile organizations since 1988 and got awards for quality products from reputed organizations.</a:t>
+              <a:t>IMN Solutions PVT LTD is the software company, established in 1987, by George Milton. The company has been listed as the trusted partner for many high-profile organizations </a:t>
+            </a:r>
+            <a:r>
+              <a:rPr dirty="0">
+                <a:highlight>
+                  <a:srgbClr val="FFFF00"/>
+                </a:highlight>
+              </a:rPr>
+              <a:t>since 1988</a:t>
+            </a:r>
+            <a:r>
+              <a:rPr dirty="0"/>
+              <a:t> and got awards for quality products from reputed organizations.</a:t>
             </a:r>
           </a:p>
         </p:txBody>
@@ -4449,7 +4461,19 @@
             </a:pPr>
             <a:r>
               <a:rPr dirty="0"/>
-              <a:t>The company acquired the MCY corporation for 20 billion dollars and became the top revenue maker for the year 2015.</a:t>
+              <a:t>The company acquired the </a:t>
+            </a:r>
+            <a:r>
+              <a:rPr dirty="0">
+                <a:highlight>
+                  <a:srgbClr val="00FF00"/>
+                </a:highlight>
+              </a:rPr>
+              <a:t>MCY corporation for 20 billion dollars</a:t>
+            </a:r>
+            <a:r>
+              <a:rPr dirty="0"/>
+              <a:t> and became the top revenue maker for the year 2015.</a:t>
             </a:r>
           </a:p>
           <a:p>

--- a/wwwroot/PowerPoint/Template.pptx
+++ b/wwwroot/PowerPoint/Template.pptx
@@ -6,9 +6,10 @@
   </p:sldMasterIdLst>
   <p:sldIdLst>
     <p:sldId id="256" r:id="rId2"/>
-    <p:sldId id="262" r:id="rId3"/>
-    <p:sldId id="260" r:id="rId4"/>
-    <p:sldId id="261" r:id="rId5"/>
+    <p:sldId id="257" r:id="rId3"/>
+    <p:sldId id="262" r:id="rId4"/>
+    <p:sldId id="260" r:id="rId5"/>
+    <p:sldId id="261" r:id="rId6"/>
   </p:sldIdLst>
   <p:sldSz cx="12192000" cy="6858000"/>
   <p:notesSz cx="6858000" cy="9144000"/>
@@ -1287,7 +1288,7 @@
           <a:p>
             <a:fld id="{5455A7CF-DB6C-4325-93B5-8C3F06D80356}" type="datetimeFigureOut">
               <a:rPr lang="en-US" smtClean="0"/>
-              <a:t>5/13/2024</a:t>
+              <a:t>7/2/2024</a:t>
             </a:fld>
             <a:endParaRPr lang="en-US"/>
           </a:p>
@@ -1485,7 +1486,7 @@
           <a:p>
             <a:fld id="{5455A7CF-DB6C-4325-93B5-8C3F06D80356}" type="datetimeFigureOut">
               <a:rPr lang="en-US" smtClean="0"/>
-              <a:t>5/13/2024</a:t>
+              <a:t>7/2/2024</a:t>
             </a:fld>
             <a:endParaRPr lang="en-US"/>
           </a:p>
@@ -1693,7 +1694,7 @@
           <a:p>
             <a:fld id="{5455A7CF-DB6C-4325-93B5-8C3F06D80356}" type="datetimeFigureOut">
               <a:rPr lang="en-US" smtClean="0"/>
-              <a:t>5/13/2024</a:t>
+              <a:t>7/2/2024</a:t>
             </a:fld>
             <a:endParaRPr lang="en-US"/>
           </a:p>
@@ -1891,7 +1892,7 @@
           <a:p>
             <a:fld id="{5455A7CF-DB6C-4325-93B5-8C3F06D80356}" type="datetimeFigureOut">
               <a:rPr lang="en-US" smtClean="0"/>
-              <a:t>5/13/2024</a:t>
+              <a:t>7/2/2024</a:t>
             </a:fld>
             <a:endParaRPr lang="en-US"/>
           </a:p>
@@ -2166,7 +2167,7 @@
           <a:p>
             <a:fld id="{5455A7CF-DB6C-4325-93B5-8C3F06D80356}" type="datetimeFigureOut">
               <a:rPr lang="en-US" smtClean="0"/>
-              <a:t>5/13/2024</a:t>
+              <a:t>7/2/2024</a:t>
             </a:fld>
             <a:endParaRPr lang="en-US"/>
           </a:p>
@@ -2431,7 +2432,7 @@
           <a:p>
             <a:fld id="{5455A7CF-DB6C-4325-93B5-8C3F06D80356}" type="datetimeFigureOut">
               <a:rPr lang="en-US" smtClean="0"/>
-              <a:t>5/13/2024</a:t>
+              <a:t>7/2/2024</a:t>
             </a:fld>
             <a:endParaRPr lang="en-US"/>
           </a:p>
@@ -2843,7 +2844,7 @@
           <a:p>
             <a:fld id="{5455A7CF-DB6C-4325-93B5-8C3F06D80356}" type="datetimeFigureOut">
               <a:rPr lang="en-US" smtClean="0"/>
-              <a:t>5/13/2024</a:t>
+              <a:t>7/2/2024</a:t>
             </a:fld>
             <a:endParaRPr lang="en-US"/>
           </a:p>
@@ -2984,7 +2985,7 @@
           <a:p>
             <a:fld id="{5455A7CF-DB6C-4325-93B5-8C3F06D80356}" type="datetimeFigureOut">
               <a:rPr lang="en-US" smtClean="0"/>
-              <a:t>5/13/2024</a:t>
+              <a:t>7/2/2024</a:t>
             </a:fld>
             <a:endParaRPr lang="en-US"/>
           </a:p>
@@ -3097,7 +3098,7 @@
           <a:p>
             <a:fld id="{5455A7CF-DB6C-4325-93B5-8C3F06D80356}" type="datetimeFigureOut">
               <a:rPr lang="en-US" smtClean="0"/>
-              <a:t>5/13/2024</a:t>
+              <a:t>7/2/2024</a:t>
             </a:fld>
             <a:endParaRPr lang="en-US"/>
           </a:p>
@@ -3408,7 +3409,7 @@
           <a:p>
             <a:fld id="{5455A7CF-DB6C-4325-93B5-8C3F06D80356}" type="datetimeFigureOut">
               <a:rPr lang="en-US" smtClean="0"/>
-              <a:t>5/13/2024</a:t>
+              <a:t>7/2/2024</a:t>
             </a:fld>
             <a:endParaRPr lang="en-US"/>
           </a:p>
@@ -3696,7 +3697,7 @@
           <a:p>
             <a:fld id="{5455A7CF-DB6C-4325-93B5-8C3F06D80356}" type="datetimeFigureOut">
               <a:rPr lang="en-US" smtClean="0"/>
-              <a:t>5/13/2024</a:t>
+              <a:t>7/2/2024</a:t>
             </a:fld>
             <a:endParaRPr lang="en-US"/>
           </a:p>
@@ -3937,7 +3938,7 @@
           <a:p>
             <a:fld id="{5455A7CF-DB6C-4325-93B5-8C3F06D80356}" type="datetimeFigureOut">
               <a:rPr lang="en-US" smtClean="0"/>
-              <a:t>5/13/2024</a:t>
+              <a:t>7/2/2024</a:t>
             </a:fld>
             <a:endParaRPr lang="en-US"/>
           </a:p>
@@ -4594,6 +4595,189 @@
       </p:grpSpPr>
       <p:sp>
         <p:nvSpPr>
+          <p:cNvPr id="2" name="Title 1"/>
+          <p:cNvSpPr>
+            <a:spLocks noGrp="1"/>
+          </p:cNvSpPr>
+          <p:nvPr>
+            <p:ph type="title"/>
+          </p:nvPr>
+        </p:nvSpPr>
+        <p:spPr bwMode="white">
+          <a:xfrm>
+            <a:off x="704088" y="292608"/>
+            <a:ext cx="7278624" cy="905256"/>
+          </a:xfrm>
+          <a:ln>
+            <a:headEnd type="none"/>
+            <a:tailEnd type="none"/>
+          </a:ln>
+        </p:spPr>
+        <p:txBody>
+          <a:bodyPr wrap="square"/>
+          <a:lstStyle/>
+          <a:p>
+            <a:pPr algn="l" defTabSz="914400"/>
+            <a:r>
+              <a:rPr lang="en-US" sz="4000" dirty="0">
+                <a:latin typeface="Helvetica CE 35 Thin"/>
+                <a:ea typeface="Helvetica CE 35 Thin"/>
+                <a:cs typeface="Helvetica CE 35 Thin"/>
+              </a:rPr>
+              <a:t>Product Overview</a:t>
+            </a:r>
+            <a:endParaRPr sz="4000" dirty="0">
+              <a:latin typeface="Helvetica CE 35 Thin"/>
+              <a:ea typeface="Helvetica CE 35 Thin"/>
+              <a:cs typeface="Helvetica CE 35 Thin"/>
+            </a:endParaRPr>
+          </a:p>
+        </p:txBody>
+      </p:sp>
+      <p:sp>
+        <p:nvSpPr>
+          <p:cNvPr id="3" name="Text Placeholder 2"/>
+          <p:cNvSpPr>
+            <a:spLocks noGrp="1"/>
+          </p:cNvSpPr>
+          <p:nvPr>
+            <p:ph type="body" idx="1"/>
+          </p:nvPr>
+        </p:nvSpPr>
+        <p:spPr bwMode="white">
+          <a:xfrm>
+            <a:off x="1106424" y="1517904"/>
+            <a:ext cx="9217152" cy="4507992"/>
+          </a:xfrm>
+          <a:ln>
+            <a:headEnd type="none"/>
+            <a:tailEnd type="none"/>
+          </a:ln>
+        </p:spPr>
+        <p:txBody>
+          <a:bodyPr wrap="square">
+            <a:normAutofit/>
+          </a:bodyPr>
+          <a:lstStyle/>
+          <a:p>
+            <a:pPr marL="285750" indent="-285750" algn="l" defTabSz="914400">
+              <a:buFont typeface="Arial" panose="020B0604020202020204" pitchFamily="34" charset="0"/>
+              <a:buChar char="•"/>
+            </a:pPr>
+            <a:r>
+              <a:rPr lang="en-US" sz="1800" dirty="0">
+                <a:solidFill>
+                  <a:srgbClr val="000000"/>
+                </a:solidFill>
+                <a:latin typeface="Calibri (Body)"/>
+                <a:ea typeface="Calibri (Body)"/>
+                <a:cs typeface="Calibri (Body)"/>
+              </a:rPr>
+              <a:t>Adventure Works Cycles, the fictitious company on which the Adventure Works sample databases are based, is a large, multinational manufacturing company. </a:t>
+            </a:r>
+          </a:p>
+          <a:p>
+            <a:pPr marL="285750" indent="-285750" algn="l" defTabSz="914400">
+              <a:buFont typeface="Arial" panose="020B0604020202020204" pitchFamily="34" charset="0"/>
+              <a:buChar char="•"/>
+            </a:pPr>
+            <a:r>
+              <a:rPr lang="en-US" sz="1800" dirty="0">
+                <a:solidFill>
+                  <a:srgbClr val="000000"/>
+                </a:solidFill>
+                <a:latin typeface="Calibri (Body)"/>
+                <a:ea typeface="Calibri (Body)"/>
+                <a:cs typeface="Calibri (Body)"/>
+              </a:rPr>
+              <a:t>The company manufactures and sells metal and composite bicycles to North American, European and Asian commercial markets. While its base operation is located in Bothell, Washington with 290 employees, several regional sales teams are located throughout their market base.</a:t>
+            </a:r>
+          </a:p>
+          <a:p>
+            <a:pPr marL="285750" indent="-285750" algn="l" defTabSz="914400">
+              <a:buFont typeface="Arial" panose="020B0604020202020204" pitchFamily="34" charset="0"/>
+              <a:buChar char="•"/>
+            </a:pPr>
+            <a:r>
+              <a:rPr lang="en-US" sz="1800" dirty="0">
+                <a:solidFill>
+                  <a:srgbClr val="000000"/>
+                </a:solidFill>
+                <a:latin typeface="Calibri (Body)"/>
+                <a:ea typeface="Calibri (Body)"/>
+                <a:cs typeface="Calibri (Body)"/>
+              </a:rPr>
+              <a:t>In 2000, Adventure Works Cycles bought a small manufacturing plant, </a:t>
+            </a:r>
+            <a:r>
+              <a:rPr lang="en-US" sz="1800" dirty="0" err="1">
+                <a:solidFill>
+                  <a:srgbClr val="000000"/>
+                </a:solidFill>
+                <a:latin typeface="Calibri (Body)"/>
+                <a:ea typeface="Calibri (Body)"/>
+                <a:cs typeface="Calibri (Body)"/>
+              </a:rPr>
+              <a:t>Importadores</a:t>
+            </a:r>
+            <a:r>
+              <a:rPr lang="en-US" sz="1800" dirty="0">
+                <a:solidFill>
+                  <a:srgbClr val="000000"/>
+                </a:solidFill>
+                <a:latin typeface="Calibri (Body)"/>
+                <a:ea typeface="Calibri (Body)"/>
+                <a:cs typeface="Calibri (Body)"/>
+              </a:rPr>
+              <a:t> Neptuno, located in Mexico. Importadores Neptuno manufactures several critical subcomponents for the Adventure Works Cycles production line. </a:t>
+            </a:r>
+          </a:p>
+          <a:p>
+            <a:pPr marL="285750" indent="-285750" algn="l" defTabSz="914400">
+              <a:buFont typeface="Arial" panose="020B0604020202020204" pitchFamily="34" charset="0"/>
+              <a:buChar char="•"/>
+            </a:pPr>
+            <a:r>
+              <a:rPr lang="en-US" sz="1800" dirty="0">
+                <a:solidFill>
+                  <a:srgbClr val="000000"/>
+                </a:solidFill>
+                <a:latin typeface="Calibri (Body)"/>
+                <a:ea typeface="Calibri (Body)"/>
+                <a:cs typeface="Calibri (Body)"/>
+              </a:rPr>
+              <a:t>These subcomponents are shipped to the Bothell location for final product assembly. In 2001, Importadores Neptuno, became the sole manufacturer and distributor of the touring bicycle productivity group.</a:t>
+            </a:r>
+          </a:p>
+        </p:txBody>
+      </p:sp>
+    </p:spTree>
+  </p:cSld>
+  <p:clrMapOvr>
+    <a:masterClrMapping/>
+  </p:clrMapOvr>
+</p:sld>
+</file>
+
+<file path=ppt/slides/slide3.xml><?xml version="1.0" encoding="utf-8"?>
+<p:sld xmlns:a="http://schemas.openxmlformats.org/drawingml/2006/main" xmlns:r="http://schemas.openxmlformats.org/officeDocument/2006/relationships" xmlns:p="http://schemas.openxmlformats.org/presentationml/2006/main">
+  <p:cSld>
+    <p:spTree>
+      <p:nvGrpSpPr>
+        <p:cNvPr id="1" name=""/>
+        <p:cNvGrpSpPr/>
+        <p:nvPr/>
+      </p:nvGrpSpPr>
+      <p:grpSpPr>
+        <a:xfrm>
+          <a:off x="0" y="0"/>
+          <a:ext cx="0" cy="0"/>
+          <a:chOff x="0" y="0"/>
+          <a:chExt cx="0" cy="0"/>
+        </a:xfrm>
+      </p:grpSpPr>
+      <p:sp>
+        <p:nvSpPr>
           <p:cNvPr id="10" name="Title 1">
             <a:extLst>
               <a:ext uri="{FF2B5EF4-FFF2-40B4-BE49-F238E27FC236}">
@@ -5149,7 +5333,7 @@
 </p:sld>
 </file>
 
-<file path=ppt/slides/slide3.xml><?xml version="1.0" encoding="utf-8"?>
+<file path=ppt/slides/slide4.xml><?xml version="1.0" encoding="utf-8"?>
 <p:sld xmlns:a="http://schemas.openxmlformats.org/drawingml/2006/main" xmlns:r="http://schemas.openxmlformats.org/officeDocument/2006/relationships" xmlns:p="http://schemas.openxmlformats.org/presentationml/2006/main">
   <p:cSld>
     <p:spTree>
@@ -5207,7 +5391,7 @@
 </p:sld>
 </file>
 
-<file path=ppt/slides/slide4.xml><?xml version="1.0" encoding="utf-8"?>
+<file path=ppt/slides/slide5.xml><?xml version="1.0" encoding="utf-8"?>
 <p:sld xmlns:a="http://schemas.openxmlformats.org/drawingml/2006/main" xmlns:r="http://schemas.openxmlformats.org/officeDocument/2006/relationships" xmlns:p="http://schemas.openxmlformats.org/presentationml/2006/main">
   <p:cSld>
     <p:spTree>

--- a/wwwroot/PowerPoint/Template.pptx
+++ b/wwwroot/PowerPoint/Template.pptx
@@ -6,10 +6,12 @@
   </p:sldMasterIdLst>
   <p:sldIdLst>
     <p:sldId id="256" r:id="rId2"/>
-    <p:sldId id="257" r:id="rId3"/>
-    <p:sldId id="262" r:id="rId4"/>
-    <p:sldId id="260" r:id="rId5"/>
-    <p:sldId id="261" r:id="rId6"/>
+    <p:sldId id="263" r:id="rId3"/>
+    <p:sldId id="264" r:id="rId4"/>
+    <p:sldId id="257" r:id="rId5"/>
+    <p:sldId id="262" r:id="rId6"/>
+    <p:sldId id="260" r:id="rId7"/>
+    <p:sldId id="261" r:id="rId8"/>
   </p:sldIdLst>
   <p:sldSz cx="12192000" cy="6858000"/>
   <p:notesSz cx="6858000" cy="9144000"/>
@@ -1288,7 +1290,7 @@
           <a:p>
             <a:fld id="{5455A7CF-DB6C-4325-93B5-8C3F06D80356}" type="datetimeFigureOut">
               <a:rPr lang="en-US" smtClean="0"/>
-              <a:t>7/2/2024</a:t>
+              <a:t>3/18/2025</a:t>
             </a:fld>
             <a:endParaRPr lang="en-US"/>
           </a:p>
@@ -1486,7 +1488,7 @@
           <a:p>
             <a:fld id="{5455A7CF-DB6C-4325-93B5-8C3F06D80356}" type="datetimeFigureOut">
               <a:rPr lang="en-US" smtClean="0"/>
-              <a:t>7/2/2024</a:t>
+              <a:t>3/18/2025</a:t>
             </a:fld>
             <a:endParaRPr lang="en-US"/>
           </a:p>
@@ -1694,7 +1696,7 @@
           <a:p>
             <a:fld id="{5455A7CF-DB6C-4325-93B5-8C3F06D80356}" type="datetimeFigureOut">
               <a:rPr lang="en-US" smtClean="0"/>
-              <a:t>7/2/2024</a:t>
+              <a:t>3/18/2025</a:t>
             </a:fld>
             <a:endParaRPr lang="en-US"/>
           </a:p>
@@ -1892,7 +1894,7 @@
           <a:p>
             <a:fld id="{5455A7CF-DB6C-4325-93B5-8C3F06D80356}" type="datetimeFigureOut">
               <a:rPr lang="en-US" smtClean="0"/>
-              <a:t>7/2/2024</a:t>
+              <a:t>3/18/2025</a:t>
             </a:fld>
             <a:endParaRPr lang="en-US"/>
           </a:p>
@@ -2167,7 +2169,7 @@
           <a:p>
             <a:fld id="{5455A7CF-DB6C-4325-93B5-8C3F06D80356}" type="datetimeFigureOut">
               <a:rPr lang="en-US" smtClean="0"/>
-              <a:t>7/2/2024</a:t>
+              <a:t>3/18/2025</a:t>
             </a:fld>
             <a:endParaRPr lang="en-US"/>
           </a:p>
@@ -2432,7 +2434,7 @@
           <a:p>
             <a:fld id="{5455A7CF-DB6C-4325-93B5-8C3F06D80356}" type="datetimeFigureOut">
               <a:rPr lang="en-US" smtClean="0"/>
-              <a:t>7/2/2024</a:t>
+              <a:t>3/18/2025</a:t>
             </a:fld>
             <a:endParaRPr lang="en-US"/>
           </a:p>
@@ -2844,7 +2846,7 @@
           <a:p>
             <a:fld id="{5455A7CF-DB6C-4325-93B5-8C3F06D80356}" type="datetimeFigureOut">
               <a:rPr lang="en-US" smtClean="0"/>
-              <a:t>7/2/2024</a:t>
+              <a:t>3/18/2025</a:t>
             </a:fld>
             <a:endParaRPr lang="en-US"/>
           </a:p>
@@ -2985,7 +2987,7 @@
           <a:p>
             <a:fld id="{5455A7CF-DB6C-4325-93B5-8C3F06D80356}" type="datetimeFigureOut">
               <a:rPr lang="en-US" smtClean="0"/>
-              <a:t>7/2/2024</a:t>
+              <a:t>3/18/2025</a:t>
             </a:fld>
             <a:endParaRPr lang="en-US"/>
           </a:p>
@@ -3098,7 +3100,7 @@
           <a:p>
             <a:fld id="{5455A7CF-DB6C-4325-93B5-8C3F06D80356}" type="datetimeFigureOut">
               <a:rPr lang="en-US" smtClean="0"/>
-              <a:t>7/2/2024</a:t>
+              <a:t>3/18/2025</a:t>
             </a:fld>
             <a:endParaRPr lang="en-US"/>
           </a:p>
@@ -3409,7 +3411,7 @@
           <a:p>
             <a:fld id="{5455A7CF-DB6C-4325-93B5-8C3F06D80356}" type="datetimeFigureOut">
               <a:rPr lang="en-US" smtClean="0"/>
-              <a:t>7/2/2024</a:t>
+              <a:t>3/18/2025</a:t>
             </a:fld>
             <a:endParaRPr lang="en-US"/>
           </a:p>
@@ -3697,7 +3699,7 @@
           <a:p>
             <a:fld id="{5455A7CF-DB6C-4325-93B5-8C3F06D80356}" type="datetimeFigureOut">
               <a:rPr lang="en-US" smtClean="0"/>
-              <a:t>7/2/2024</a:t>
+              <a:t>3/18/2025</a:t>
             </a:fld>
             <a:endParaRPr lang="en-US"/>
           </a:p>
@@ -3938,7 +3940,7 @@
           <a:p>
             <a:fld id="{5455A7CF-DB6C-4325-93B5-8C3F06D80356}" type="datetimeFigureOut">
               <a:rPr lang="en-US" smtClean="0"/>
-              <a:t>7/2/2024</a:t>
+              <a:t>3/18/2025</a:t>
             </a:fld>
             <a:endParaRPr lang="en-US"/>
           </a:p>
@@ -4593,6 +4595,1909 @@
           <a:chExt cx="0" cy="0"/>
         </a:xfrm>
       </p:grpSpPr>
+      <p:graphicFrame>
+        <p:nvGraphicFramePr>
+          <p:cNvPr id="6" name="Table 5">
+            <a:extLst>
+              <a:ext uri="{FF2B5EF4-FFF2-40B4-BE49-F238E27FC236}">
+                <a16:creationId xmlns:a16="http://schemas.microsoft.com/office/drawing/2014/main" id="{94C7F234-8050-2FF0-96AF-E57E18D3288C}"/>
+              </a:ext>
+            </a:extLst>
+          </p:cNvPr>
+          <p:cNvGraphicFramePr>
+            <a:graphicFrameLocks noGrp="1"/>
+          </p:cNvGraphicFramePr>
+          <p:nvPr/>
+        </p:nvGraphicFramePr>
+        <p:xfrm>
+          <a:off x="588252" y="2946158"/>
+          <a:ext cx="10610690" cy="3760830"/>
+        </p:xfrm>
+        <a:graphic>
+          <a:graphicData uri="http://schemas.openxmlformats.org/drawingml/2006/table">
+            <a:tbl>
+              <a:tblPr firstCol="1" bandRow="1">
+                <a:tableStyleId>{7DF18680-E054-41AD-8BC1-D1AEF772440D}</a:tableStyleId>
+              </a:tblPr>
+              <a:tblGrid>
+                <a:gridCol w="2561201">
+                  <a:extLst>
+                    <a:ext uri="{9D8B030D-6E8A-4147-A177-3AD203B41FA5}">
+                      <a16:colId xmlns:a16="http://schemas.microsoft.com/office/drawing/2014/main" val="1464616093"/>
+                    </a:ext>
+                  </a:extLst>
+                </a:gridCol>
+                <a:gridCol w="8049489">
+                  <a:extLst>
+                    <a:ext uri="{9D8B030D-6E8A-4147-A177-3AD203B41FA5}">
+                      <a16:colId xmlns:a16="http://schemas.microsoft.com/office/drawing/2014/main" val="1192474542"/>
+                    </a:ext>
+                  </a:extLst>
+                </a:gridCol>
+              </a:tblGrid>
+              <a:tr h="890100">
+                <a:tc>
+                  <a:txBody>
+                    <a:bodyPr/>
+                    <a:lstStyle/>
+                    <a:p>
+                      <a:pPr marL="0" marR="0">
+                        <a:lnSpc>
+                          <a:spcPct val="107000"/>
+                        </a:lnSpc>
+                        <a:spcAft>
+                          <a:spcPts val="800"/>
+                        </a:spcAft>
+                      </a:pPr>
+                      <a:r>
+                        <a:rPr lang="en-US" sz="1200" dirty="0">
+                          <a:effectLst/>
+                        </a:rPr>
+                        <a:t>Project Vision</a:t>
+                      </a:r>
+                      <a:endParaRPr lang="en-US" sz="1100" dirty="0">
+                        <a:effectLst/>
+                        <a:latin typeface="Calibri" panose="020F0502020204030204" pitchFamily="34" charset="0"/>
+                        <a:ea typeface="Calibri" panose="020F0502020204030204" pitchFamily="34" charset="0"/>
+                        <a:cs typeface="Calibri" panose="020F0502020204030204" pitchFamily="34" charset="0"/>
+                      </a:endParaRPr>
+                    </a:p>
+                  </a:txBody>
+                  <a:tcPr marL="88900" marR="88900" marT="88900" marB="88900" anchor="ctr"/>
+                </a:tc>
+                <a:tc>
+                  <a:txBody>
+                    <a:bodyPr/>
+                    <a:lstStyle/>
+                    <a:p>
+                      <a:pPr marL="0" marR="0">
+                        <a:lnSpc>
+                          <a:spcPct val="107000"/>
+                        </a:lnSpc>
+                        <a:spcAft>
+                          <a:spcPts val="800"/>
+                        </a:spcAft>
+                      </a:pPr>
+                      <a:r>
+                        <a:rPr lang="en-US" sz="1200" dirty="0">
+                          <a:effectLst/>
+                        </a:rPr>
+                        <a:t>Launch a website on 4/18/2025 that allows customers to purchase products online and reflects Adventure Works Cycle having the highest quality and the best products in its category.</a:t>
+                      </a:r>
+                      <a:endParaRPr lang="en-US" sz="1100" dirty="0">
+                        <a:effectLst/>
+                        <a:latin typeface="Calibri" panose="020F0502020204030204" pitchFamily="34" charset="0"/>
+                        <a:ea typeface="Calibri" panose="020F0502020204030204" pitchFamily="34" charset="0"/>
+                        <a:cs typeface="Calibri" panose="020F0502020204030204" pitchFamily="34" charset="0"/>
+                      </a:endParaRPr>
+                    </a:p>
+                  </a:txBody>
+                  <a:tcPr marL="88900" marR="88900" marT="88900" marB="88900" anchor="ctr"/>
+                </a:tc>
+                <a:extLst>
+                  <a:ext uri="{0D108BD9-81ED-4DB2-BD59-A6C34878D82A}">
+                    <a16:rowId xmlns:a16="http://schemas.microsoft.com/office/drawing/2014/main" val="3649554764"/>
+                  </a:ext>
+                </a:extLst>
+              </a:tr>
+              <a:tr h="660210">
+                <a:tc>
+                  <a:txBody>
+                    <a:bodyPr/>
+                    <a:lstStyle/>
+                    <a:p>
+                      <a:pPr marL="0" marR="0">
+                        <a:lnSpc>
+                          <a:spcPct val="107000"/>
+                        </a:lnSpc>
+                        <a:spcAft>
+                          <a:spcPts val="800"/>
+                        </a:spcAft>
+                      </a:pPr>
+                      <a:r>
+                        <a:rPr lang="en-US" sz="1200">
+                          <a:effectLst/>
+                        </a:rPr>
+                        <a:t>Issues</a:t>
+                      </a:r>
+                      <a:endParaRPr lang="en-US" sz="1100">
+                        <a:effectLst/>
+                        <a:latin typeface="Calibri" panose="020F0502020204030204" pitchFamily="34" charset="0"/>
+                        <a:ea typeface="Calibri" panose="020F0502020204030204" pitchFamily="34" charset="0"/>
+                        <a:cs typeface="Calibri" panose="020F0502020204030204" pitchFamily="34" charset="0"/>
+                      </a:endParaRPr>
+                    </a:p>
+                  </a:txBody>
+                  <a:tcPr marL="88900" marR="88900" marT="88900" marB="88900" anchor="ctr"/>
+                </a:tc>
+                <a:tc>
+                  <a:txBody>
+                    <a:bodyPr/>
+                    <a:lstStyle/>
+                    <a:p>
+                      <a:pPr marL="0" marR="0">
+                        <a:lnSpc>
+                          <a:spcPct val="107000"/>
+                        </a:lnSpc>
+                        <a:spcAft>
+                          <a:spcPts val="800"/>
+                        </a:spcAft>
+                      </a:pPr>
+                      <a:r>
+                        <a:rPr lang="en-US" sz="1200" dirty="0">
+                          <a:effectLst/>
+                        </a:rPr>
+                        <a:t>By the end of next month, if we do not have a finalized product image, we will not be able to meet our deployment deadline.</a:t>
+                      </a:r>
+                      <a:endParaRPr lang="en-US" sz="1100" dirty="0">
+                        <a:effectLst/>
+                        <a:latin typeface="Calibri" panose="020F0502020204030204" pitchFamily="34" charset="0"/>
+                        <a:ea typeface="Calibri" panose="020F0502020204030204" pitchFamily="34" charset="0"/>
+                        <a:cs typeface="Calibri" panose="020F0502020204030204" pitchFamily="34" charset="0"/>
+                      </a:endParaRPr>
+                    </a:p>
+                  </a:txBody>
+                  <a:tcPr marL="88900" marR="88900" marT="88900" marB="88900" anchor="ctr"/>
+                </a:tc>
+                <a:extLst>
+                  <a:ext uri="{0D108BD9-81ED-4DB2-BD59-A6C34878D82A}">
+                    <a16:rowId xmlns:a16="http://schemas.microsoft.com/office/drawing/2014/main" val="3974283757"/>
+                  </a:ext>
+                </a:extLst>
+              </a:tr>
+              <a:tr h="660210">
+                <a:tc>
+                  <a:txBody>
+                    <a:bodyPr/>
+                    <a:lstStyle/>
+                    <a:p>
+                      <a:pPr marL="0" marR="0">
+                        <a:lnSpc>
+                          <a:spcPct val="107000"/>
+                        </a:lnSpc>
+                        <a:spcAft>
+                          <a:spcPts val="800"/>
+                        </a:spcAft>
+                      </a:pPr>
+                      <a:r>
+                        <a:rPr lang="en-US" sz="1200">
+                          <a:effectLst/>
+                        </a:rPr>
+                        <a:t>Milestone accomplished</a:t>
+                      </a:r>
+                      <a:endParaRPr lang="en-US" sz="1100">
+                        <a:effectLst/>
+                        <a:latin typeface="Calibri" panose="020F0502020204030204" pitchFamily="34" charset="0"/>
+                        <a:ea typeface="Calibri" panose="020F0502020204030204" pitchFamily="34" charset="0"/>
+                        <a:cs typeface="Calibri" panose="020F0502020204030204" pitchFamily="34" charset="0"/>
+                      </a:endParaRPr>
+                    </a:p>
+                  </a:txBody>
+                  <a:tcPr marL="88900" marR="88900" marT="88900" marB="88900" anchor="ctr"/>
+                </a:tc>
+                <a:tc>
+                  <a:txBody>
+                    <a:bodyPr/>
+                    <a:lstStyle/>
+                    <a:p>
+                      <a:pPr marL="0" marR="0">
+                        <a:lnSpc>
+                          <a:spcPct val="107000"/>
+                        </a:lnSpc>
+                        <a:spcAft>
+                          <a:spcPts val="800"/>
+                        </a:spcAft>
+                      </a:pPr>
+                      <a:r>
+                        <a:rPr lang="en-US" sz="1200" dirty="0">
+                          <a:effectLst/>
+                        </a:rPr>
+                        <a:t>Framed the basic structure of website.</a:t>
+                      </a:r>
+                      <a:br>
+                        <a:rPr lang="en-US" sz="1100" dirty="0">
+                          <a:effectLst/>
+                        </a:rPr>
+                      </a:br>
+                      <a:r>
+                        <a:rPr lang="en-US" sz="1200" dirty="0">
+                          <a:effectLst/>
+                        </a:rPr>
+                        <a:t>Applied for design review.</a:t>
+                      </a:r>
+                      <a:endParaRPr lang="en-US" sz="1100" dirty="0">
+                        <a:effectLst/>
+                        <a:latin typeface="Calibri" panose="020F0502020204030204" pitchFamily="34" charset="0"/>
+                        <a:ea typeface="Calibri" panose="020F0502020204030204" pitchFamily="34" charset="0"/>
+                        <a:cs typeface="Calibri" panose="020F0502020204030204" pitchFamily="34" charset="0"/>
+                      </a:endParaRPr>
+                    </a:p>
+                  </a:txBody>
+                  <a:tcPr marL="88900" marR="88900" marT="88900" marB="88900" anchor="ctr"/>
+                </a:tc>
+                <a:extLst>
+                  <a:ext uri="{0D108BD9-81ED-4DB2-BD59-A6C34878D82A}">
+                    <a16:rowId xmlns:a16="http://schemas.microsoft.com/office/drawing/2014/main" val="3424702825"/>
+                  </a:ext>
+                </a:extLst>
+              </a:tr>
+              <a:tr h="660210">
+                <a:tc>
+                  <a:txBody>
+                    <a:bodyPr/>
+                    <a:lstStyle/>
+                    <a:p>
+                      <a:pPr marL="0" marR="0">
+                        <a:lnSpc>
+                          <a:spcPct val="107000"/>
+                        </a:lnSpc>
+                        <a:spcAft>
+                          <a:spcPts val="800"/>
+                        </a:spcAft>
+                      </a:pPr>
+                      <a:r>
+                        <a:rPr lang="en-US" sz="1200" dirty="0">
+                          <a:effectLst/>
+                        </a:rPr>
+                        <a:t>Milestones planned for next week</a:t>
+                      </a:r>
+                      <a:endParaRPr lang="en-US" sz="1100" dirty="0">
+                        <a:effectLst/>
+                        <a:latin typeface="Calibri" panose="020F0502020204030204" pitchFamily="34" charset="0"/>
+                        <a:ea typeface="Calibri" panose="020F0502020204030204" pitchFamily="34" charset="0"/>
+                        <a:cs typeface="Calibri" panose="020F0502020204030204" pitchFamily="34" charset="0"/>
+                      </a:endParaRPr>
+                    </a:p>
+                  </a:txBody>
+                  <a:tcPr marL="88900" marR="88900" marT="88900" marB="88900" anchor="ctr"/>
+                </a:tc>
+                <a:tc>
+                  <a:txBody>
+                    <a:bodyPr/>
+                    <a:lstStyle/>
+                    <a:p>
+                      <a:pPr marL="0" marR="0">
+                        <a:lnSpc>
+                          <a:spcPct val="107000"/>
+                        </a:lnSpc>
+                        <a:spcAft>
+                          <a:spcPts val="800"/>
+                        </a:spcAft>
+                      </a:pPr>
+                      <a:r>
+                        <a:rPr lang="en-US" sz="1200" dirty="0">
+                          <a:effectLst/>
+                        </a:rPr>
+                        <a:t>Prepare design files for development.</a:t>
+                      </a:r>
+                      <a:br>
+                        <a:rPr lang="en-US" sz="1100" dirty="0">
+                          <a:effectLst/>
+                        </a:rPr>
+                      </a:br>
+                      <a:r>
+                        <a:rPr lang="en-US" sz="1200" dirty="0">
+                          <a:effectLst/>
+                        </a:rPr>
+                        <a:t>Start development - Sprint 1 (Homepage &amp; Product Detail Page).</a:t>
+                      </a:r>
+                      <a:endParaRPr lang="en-US" sz="1100" dirty="0">
+                        <a:effectLst/>
+                        <a:latin typeface="Calibri" panose="020F0502020204030204" pitchFamily="34" charset="0"/>
+                        <a:ea typeface="Calibri" panose="020F0502020204030204" pitchFamily="34" charset="0"/>
+                        <a:cs typeface="Calibri" panose="020F0502020204030204" pitchFamily="34" charset="0"/>
+                      </a:endParaRPr>
+                    </a:p>
+                  </a:txBody>
+                  <a:tcPr marL="88900" marR="88900" marT="88900" marB="88900" anchor="ctr"/>
+                </a:tc>
+                <a:extLst>
+                  <a:ext uri="{0D108BD9-81ED-4DB2-BD59-A6C34878D82A}">
+                    <a16:rowId xmlns:a16="http://schemas.microsoft.com/office/drawing/2014/main" val="888024937"/>
+                  </a:ext>
+                </a:extLst>
+              </a:tr>
+              <a:tr h="890100">
+                <a:tc>
+                  <a:txBody>
+                    <a:bodyPr/>
+                    <a:lstStyle/>
+                    <a:p>
+                      <a:pPr marL="0" marR="0">
+                        <a:lnSpc>
+                          <a:spcPct val="107000"/>
+                        </a:lnSpc>
+                        <a:spcAft>
+                          <a:spcPts val="800"/>
+                        </a:spcAft>
+                      </a:pPr>
+                      <a:r>
+                        <a:rPr lang="en-US" sz="1200" dirty="0">
+                          <a:effectLst/>
+                        </a:rPr>
+                        <a:t>Upcoming milestones</a:t>
+                      </a:r>
+                      <a:endParaRPr lang="en-US" sz="1100" dirty="0">
+                        <a:effectLst/>
+                        <a:latin typeface="Calibri" panose="020F0502020204030204" pitchFamily="34" charset="0"/>
+                        <a:ea typeface="Calibri" panose="020F0502020204030204" pitchFamily="34" charset="0"/>
+                        <a:cs typeface="Calibri" panose="020F0502020204030204" pitchFamily="34" charset="0"/>
+                      </a:endParaRPr>
+                    </a:p>
+                  </a:txBody>
+                  <a:tcPr marL="88900" marR="88900" marT="88900" marB="88900" anchor="ctr"/>
+                </a:tc>
+                <a:tc>
+                  <a:txBody>
+                    <a:bodyPr/>
+                    <a:lstStyle/>
+                    <a:p>
+                      <a:pPr marL="0" marR="0">
+                        <a:lnSpc>
+                          <a:spcPct val="107000"/>
+                        </a:lnSpc>
+                        <a:spcAft>
+                          <a:spcPts val="800"/>
+                        </a:spcAft>
+                      </a:pPr>
+                      <a:r>
+                        <a:rPr lang="en-US" sz="1200" dirty="0">
+                          <a:effectLst/>
+                        </a:rPr>
+                        <a:t>3/14/2025 : Design Approval</a:t>
+                      </a:r>
+                      <a:br>
+                        <a:rPr lang="en-US" sz="1100" dirty="0">
+                          <a:effectLst/>
+                        </a:rPr>
+                      </a:br>
+                      <a:r>
+                        <a:rPr lang="en-US" sz="1200" dirty="0">
+                          <a:effectLst/>
+                        </a:rPr>
+                        <a:t>3/29/2025 : Development Begins</a:t>
+                      </a:r>
+                      <a:br>
+                        <a:rPr lang="en-US" sz="1100" dirty="0">
+                          <a:effectLst/>
+                        </a:rPr>
+                      </a:br>
+                      <a:r>
+                        <a:rPr lang="en-US" sz="1200" dirty="0">
+                          <a:effectLst/>
+                        </a:rPr>
+                        <a:t>4/13/2025 : Deployment</a:t>
+                      </a:r>
+                      <a:endParaRPr lang="en-US" sz="1100" dirty="0">
+                        <a:effectLst/>
+                        <a:latin typeface="Calibri" panose="020F0502020204030204" pitchFamily="34" charset="0"/>
+                        <a:ea typeface="Calibri" panose="020F0502020204030204" pitchFamily="34" charset="0"/>
+                        <a:cs typeface="Calibri" panose="020F0502020204030204" pitchFamily="34" charset="0"/>
+                      </a:endParaRPr>
+                    </a:p>
+                  </a:txBody>
+                  <a:tcPr marL="88900" marR="88900" marT="88900" marB="88900" anchor="ctr"/>
+                </a:tc>
+                <a:extLst>
+                  <a:ext uri="{0D108BD9-81ED-4DB2-BD59-A6C34878D82A}">
+                    <a16:rowId xmlns:a16="http://schemas.microsoft.com/office/drawing/2014/main" val="4183265658"/>
+                  </a:ext>
+                </a:extLst>
+              </a:tr>
+            </a:tbl>
+          </a:graphicData>
+        </a:graphic>
+      </p:graphicFrame>
+      <p:sp>
+        <p:nvSpPr>
+          <p:cNvPr id="9" name="TextBox 8">
+            <a:extLst>
+              <a:ext uri="{FF2B5EF4-FFF2-40B4-BE49-F238E27FC236}">
+                <a16:creationId xmlns:a16="http://schemas.microsoft.com/office/drawing/2014/main" id="{A6D6B924-2B9F-B3DE-BBE1-E639A4ADAB3B}"/>
+              </a:ext>
+            </a:extLst>
+          </p:cNvPr>
+          <p:cNvSpPr txBox="1"/>
+          <p:nvPr/>
+        </p:nvSpPr>
+        <p:spPr>
+          <a:xfrm>
+            <a:off x="548640" y="1371600"/>
+            <a:ext cx="1698494" cy="369332"/>
+          </a:xfrm>
+          <a:prstGeom prst="rect">
+            <a:avLst/>
+          </a:prstGeom>
+          <a:noFill/>
+        </p:spPr>
+        <p:txBody>
+          <a:bodyPr wrap="square">
+            <a:spAutoFit/>
+          </a:bodyPr>
+          <a:lstStyle/>
+          <a:p>
+            <a:pPr marL="0" marR="0" lvl="0" indent="0" algn="l" defTabSz="914400" rtl="0" eaLnBrk="1" fontAlgn="auto" latinLnBrk="0" hangingPunct="1">
+              <a:lnSpc>
+                <a:spcPct val="100000"/>
+              </a:lnSpc>
+              <a:spcBef>
+                <a:spcPts val="0"/>
+              </a:spcBef>
+              <a:spcAft>
+                <a:spcPts val="0"/>
+              </a:spcAft>
+              <a:buClrTx/>
+              <a:buSzTx/>
+              <a:buFontTx/>
+              <a:buNone/>
+              <a:tabLst/>
+              <a:defRPr/>
+            </a:pPr>
+            <a:r>
+              <a:rPr kumimoji="0" lang="en-US" sz="1800" b="1" i="0" u="none" strike="noStrike" kern="1200" cap="none" spc="0" normalizeH="0" baseline="0" noProof="0" dirty="0">
+                <a:ln>
+                  <a:noFill/>
+                </a:ln>
+                <a:solidFill>
+                  <a:prstClr val="black"/>
+                </a:solidFill>
+                <a:effectLst/>
+                <a:uLnTx/>
+                <a:uFillTx/>
+                <a:latin typeface="Calibri" panose="020F0502020204030204" pitchFamily="34" charset="0"/>
+                <a:ea typeface="Calibri" panose="020F0502020204030204" pitchFamily="34" charset="0"/>
+                <a:cs typeface="Calibri" panose="020F0502020204030204" pitchFamily="34" charset="0"/>
+              </a:rPr>
+              <a:t>Date :</a:t>
+            </a:r>
+            <a:endParaRPr kumimoji="0" lang="en-US" sz="1800" b="0" i="0" u="none" strike="noStrike" kern="1200" cap="none" spc="0" normalizeH="0" baseline="0" noProof="0" dirty="0">
+              <a:ln>
+                <a:noFill/>
+              </a:ln>
+              <a:solidFill>
+                <a:prstClr val="black"/>
+              </a:solidFill>
+              <a:effectLst/>
+              <a:uLnTx/>
+              <a:uFillTx/>
+              <a:latin typeface="Calibri" panose="020F0502020204030204" pitchFamily="34" charset="0"/>
+              <a:ea typeface="Calibri" panose="020F0502020204030204" pitchFamily="34" charset="0"/>
+              <a:cs typeface="Calibri" panose="020F0502020204030204" pitchFamily="34" charset="0"/>
+            </a:endParaRPr>
+          </a:p>
+        </p:txBody>
+      </p:sp>
+      <p:sp>
+        <p:nvSpPr>
+          <p:cNvPr id="10" name="FormField_TextBox 9">
+            <a:extLst>
+              <a:ext uri="{FF2B5EF4-FFF2-40B4-BE49-F238E27FC236}">
+                <a16:creationId xmlns:a16="http://schemas.microsoft.com/office/drawing/2014/main" id="{197C4A2F-487A-7321-C8AD-A074D599DEE5}"/>
+              </a:ext>
+            </a:extLst>
+          </p:cNvPr>
+          <p:cNvSpPr txBox="1"/>
+          <p:nvPr/>
+        </p:nvSpPr>
+        <p:spPr>
+          <a:xfrm>
+            <a:off x="2553927" y="1371600"/>
+            <a:ext cx="1183337" cy="369332"/>
+          </a:xfrm>
+          <a:prstGeom prst="rect">
+            <a:avLst/>
+          </a:prstGeom>
+          <a:noFill/>
+        </p:spPr>
+        <p:txBody>
+          <a:bodyPr wrap="none" rtlCol="0">
+            <a:spAutoFit/>
+          </a:bodyPr>
+          <a:lstStyle/>
+          <a:p>
+            <a:pPr marL="0" marR="0" lvl="0" indent="0" algn="l" defTabSz="914400" rtl="0" eaLnBrk="1" fontAlgn="auto" latinLnBrk="0" hangingPunct="1">
+              <a:lnSpc>
+                <a:spcPct val="100000"/>
+              </a:lnSpc>
+              <a:spcBef>
+                <a:spcPts val="0"/>
+              </a:spcBef>
+              <a:spcAft>
+                <a:spcPts val="0"/>
+              </a:spcAft>
+              <a:buClrTx/>
+              <a:buSzTx/>
+              <a:buFontTx/>
+              <a:buNone/>
+              <a:tabLst/>
+              <a:defRPr/>
+            </a:pPr>
+            <a:r>
+              <a:rPr kumimoji="0" lang="en-US" sz="1800" b="0" i="0" u="none" strike="noStrike" kern="1200" cap="none" spc="0" normalizeH="0" baseline="0" noProof="0" dirty="0">
+                <a:ln>
+                  <a:noFill/>
+                </a:ln>
+                <a:solidFill>
+                  <a:srgbClr val="000000"/>
+                </a:solidFill>
+                <a:effectLst/>
+                <a:uLnTx/>
+                <a:uFillTx/>
+                <a:latin typeface="Calibri" panose="020F0502020204030204" pitchFamily="34" charset="0"/>
+                <a:ea typeface="Calibri" panose="020F0502020204030204" pitchFamily="34" charset="0"/>
+                <a:cs typeface="Calibri" panose="020F0502020204030204" pitchFamily="34" charset="0"/>
+              </a:rPr>
+              <a:t>2/27/2025</a:t>
+            </a:r>
+            <a:endParaRPr kumimoji="0" lang="en-US" sz="1800" b="0" i="0" u="none" strike="noStrike" kern="1200" cap="none" spc="0" normalizeH="0" baseline="0" noProof="0" dirty="0">
+              <a:ln>
+                <a:noFill/>
+              </a:ln>
+              <a:solidFill>
+                <a:prstClr val="black"/>
+              </a:solidFill>
+              <a:effectLst/>
+              <a:uLnTx/>
+              <a:uFillTx/>
+              <a:latin typeface="Calibri" panose="020F0502020204030204" pitchFamily="34" charset="0"/>
+              <a:ea typeface="Calibri" panose="020F0502020204030204" pitchFamily="34" charset="0"/>
+              <a:cs typeface="Calibri" panose="020F0502020204030204" pitchFamily="34" charset="0"/>
+            </a:endParaRPr>
+          </a:p>
+        </p:txBody>
+      </p:sp>
+      <p:sp>
+        <p:nvSpPr>
+          <p:cNvPr id="11" name="TextBox 10">
+            <a:extLst>
+              <a:ext uri="{FF2B5EF4-FFF2-40B4-BE49-F238E27FC236}">
+                <a16:creationId xmlns:a16="http://schemas.microsoft.com/office/drawing/2014/main" id="{D5554430-6FF4-BB15-4718-7594F7558754}"/>
+              </a:ext>
+            </a:extLst>
+          </p:cNvPr>
+          <p:cNvSpPr txBox="1"/>
+          <p:nvPr/>
+        </p:nvSpPr>
+        <p:spPr>
+          <a:xfrm>
+            <a:off x="548640" y="111684"/>
+            <a:ext cx="10607040" cy="595932"/>
+          </a:xfrm>
+          <a:prstGeom prst="rect">
+            <a:avLst/>
+          </a:prstGeom>
+          <a:noFill/>
+        </p:spPr>
+        <p:txBody>
+          <a:bodyPr wrap="square">
+            <a:spAutoFit/>
+          </a:bodyPr>
+          <a:lstStyle/>
+          <a:p>
+            <a:pPr marL="0" marR="0" lvl="0" indent="0" algn="l" defTabSz="914400" rtl="0" eaLnBrk="1" fontAlgn="auto" latinLnBrk="0" hangingPunct="1">
+              <a:lnSpc>
+                <a:spcPct val="107000"/>
+              </a:lnSpc>
+              <a:spcBef>
+                <a:spcPts val="0"/>
+              </a:spcBef>
+              <a:spcAft>
+                <a:spcPts val="800"/>
+              </a:spcAft>
+              <a:buClrTx/>
+              <a:buSzTx/>
+              <a:buFontTx/>
+              <a:buNone/>
+              <a:tabLst/>
+              <a:defRPr/>
+            </a:pPr>
+            <a:r>
+              <a:rPr kumimoji="0" lang="en-US" sz="3200" b="1" i="0" u="none" strike="noStrike" kern="1200" cap="none" spc="0" normalizeH="0" baseline="0" noProof="0" dirty="0">
+                <a:ln>
+                  <a:noFill/>
+                </a:ln>
+                <a:solidFill>
+                  <a:prstClr val="black"/>
+                </a:solidFill>
+                <a:effectLst/>
+                <a:uLnTx/>
+                <a:uFillTx/>
+                <a:latin typeface="Calibri" panose="020F0502020204030204" pitchFamily="34" charset="0"/>
+                <a:ea typeface="Calibri" panose="020F0502020204030204" pitchFamily="34" charset="0"/>
+                <a:cs typeface="Calibri" panose="020F0502020204030204" pitchFamily="34" charset="0"/>
+              </a:rPr>
+              <a:t>Project Status Report</a:t>
+            </a:r>
+            <a:endParaRPr kumimoji="0" lang="en-US" sz="1800" b="1" i="0" u="none" strike="noStrike" kern="1200" cap="none" spc="0" normalizeH="0" baseline="0" noProof="0" dirty="0">
+              <a:ln>
+                <a:noFill/>
+              </a:ln>
+              <a:solidFill>
+                <a:prstClr val="black"/>
+              </a:solidFill>
+              <a:effectLst/>
+              <a:uLnTx/>
+              <a:uFillTx/>
+              <a:latin typeface="Calibri" panose="020F0502020204030204" pitchFamily="34" charset="0"/>
+              <a:ea typeface="Calibri" panose="020F0502020204030204" pitchFamily="34" charset="0"/>
+              <a:cs typeface="Calibri" panose="020F0502020204030204" pitchFamily="34" charset="0"/>
+            </a:endParaRPr>
+          </a:p>
+        </p:txBody>
+      </p:sp>
+      <p:sp>
+        <p:nvSpPr>
+          <p:cNvPr id="12" name="TextBox 11">
+            <a:extLst>
+              <a:ext uri="{FF2B5EF4-FFF2-40B4-BE49-F238E27FC236}">
+                <a16:creationId xmlns:a16="http://schemas.microsoft.com/office/drawing/2014/main" id="{7A20EDBF-C07E-47F1-E82D-201E68C10164}"/>
+              </a:ext>
+            </a:extLst>
+          </p:cNvPr>
+          <p:cNvSpPr txBox="1"/>
+          <p:nvPr/>
+        </p:nvSpPr>
+        <p:spPr>
+          <a:xfrm>
+            <a:off x="548640" y="950976"/>
+            <a:ext cx="2369709" cy="369332"/>
+          </a:xfrm>
+          <a:prstGeom prst="rect">
+            <a:avLst/>
+          </a:prstGeom>
+          <a:noFill/>
+        </p:spPr>
+        <p:txBody>
+          <a:bodyPr wrap="square">
+            <a:spAutoFit/>
+          </a:bodyPr>
+          <a:lstStyle/>
+          <a:p>
+            <a:pPr marL="0" marR="0" lvl="0" indent="0" algn="l" defTabSz="914400" rtl="0" eaLnBrk="1" fontAlgn="auto" latinLnBrk="0" hangingPunct="1">
+              <a:lnSpc>
+                <a:spcPct val="100000"/>
+              </a:lnSpc>
+              <a:spcBef>
+                <a:spcPts val="0"/>
+              </a:spcBef>
+              <a:spcAft>
+                <a:spcPts val="0"/>
+              </a:spcAft>
+              <a:buClrTx/>
+              <a:buSzTx/>
+              <a:buFontTx/>
+              <a:buNone/>
+              <a:tabLst/>
+              <a:defRPr/>
+            </a:pPr>
+            <a:r>
+              <a:rPr kumimoji="0" lang="en-US" sz="1800" b="1" i="0" u="none" strike="noStrike" kern="1200" cap="none" spc="0" normalizeH="0" baseline="0" noProof="0" dirty="0">
+                <a:ln>
+                  <a:noFill/>
+                </a:ln>
+                <a:solidFill>
+                  <a:prstClr val="black"/>
+                </a:solidFill>
+                <a:effectLst/>
+                <a:uLnTx/>
+                <a:uFillTx/>
+                <a:latin typeface="Calibri" panose="020F0502020204030204" pitchFamily="34" charset="0"/>
+                <a:ea typeface="Calibri" panose="020F0502020204030204" pitchFamily="34" charset="0"/>
+                <a:cs typeface="Calibri" panose="020F0502020204030204" pitchFamily="34" charset="0"/>
+              </a:rPr>
+              <a:t>Status :</a:t>
+            </a:r>
+          </a:p>
+        </p:txBody>
+      </p:sp>
+      <p:sp>
+        <p:nvSpPr>
+          <p:cNvPr id="13" name="FormField_TextBox 12">
+            <a:extLst>
+              <a:ext uri="{FF2B5EF4-FFF2-40B4-BE49-F238E27FC236}">
+                <a16:creationId xmlns:a16="http://schemas.microsoft.com/office/drawing/2014/main" id="{6C84F9BC-5BE8-053A-6EC1-27B0E5E208E8}"/>
+              </a:ext>
+            </a:extLst>
+          </p:cNvPr>
+          <p:cNvSpPr txBox="1"/>
+          <p:nvPr/>
+        </p:nvSpPr>
+        <p:spPr>
+          <a:xfrm>
+            <a:off x="2553927" y="950976"/>
+            <a:ext cx="1232710" cy="369332"/>
+          </a:xfrm>
+          <a:prstGeom prst="rect">
+            <a:avLst/>
+          </a:prstGeom>
+          <a:noFill/>
+        </p:spPr>
+        <p:txBody>
+          <a:bodyPr wrap="none" rtlCol="0">
+            <a:spAutoFit/>
+          </a:bodyPr>
+          <a:lstStyle/>
+          <a:p>
+            <a:pPr marL="0" marR="0" lvl="0" indent="0" algn="l" defTabSz="914400" rtl="0" eaLnBrk="1" fontAlgn="auto" latinLnBrk="0" hangingPunct="1">
+              <a:lnSpc>
+                <a:spcPct val="100000"/>
+              </a:lnSpc>
+              <a:spcBef>
+                <a:spcPts val="0"/>
+              </a:spcBef>
+              <a:spcAft>
+                <a:spcPts val="0"/>
+              </a:spcAft>
+              <a:buClrTx/>
+              <a:buSzTx/>
+              <a:buFontTx/>
+              <a:buNone/>
+              <a:tabLst/>
+              <a:defRPr/>
+            </a:pPr>
+            <a:r>
+              <a:rPr kumimoji="0" lang="en-US" sz="1800" b="0" i="0" u="none" strike="noStrike" kern="1200" cap="none" spc="0" normalizeH="0" baseline="0" noProof="0" dirty="0">
+                <a:ln>
+                  <a:noFill/>
+                </a:ln>
+                <a:solidFill>
+                  <a:prstClr val="black"/>
+                </a:solidFill>
+                <a:effectLst/>
+                <a:uLnTx/>
+                <a:uFillTx/>
+                <a:latin typeface="Calibri" panose="020F0502020204030204" pitchFamily="34" charset="0"/>
+                <a:ea typeface="Calibri" panose="020F0502020204030204" pitchFamily="34" charset="0"/>
+                <a:cs typeface="Calibri" panose="020F0502020204030204" pitchFamily="34" charset="0"/>
+              </a:rPr>
+              <a:t>In-Progress</a:t>
+            </a:r>
+          </a:p>
+        </p:txBody>
+      </p:sp>
+      <p:sp>
+        <p:nvSpPr>
+          <p:cNvPr id="14" name="TextBox 13">
+            <a:extLst>
+              <a:ext uri="{FF2B5EF4-FFF2-40B4-BE49-F238E27FC236}">
+                <a16:creationId xmlns:a16="http://schemas.microsoft.com/office/drawing/2014/main" id="{0E445A13-0B30-07C1-858A-9145405B58A4}"/>
+              </a:ext>
+            </a:extLst>
+          </p:cNvPr>
+          <p:cNvSpPr txBox="1"/>
+          <p:nvPr/>
+        </p:nvSpPr>
+        <p:spPr>
+          <a:xfrm>
+            <a:off x="548640" y="1792224"/>
+            <a:ext cx="2007782" cy="377860"/>
+          </a:xfrm>
+          <a:prstGeom prst="rect">
+            <a:avLst/>
+          </a:prstGeom>
+          <a:noFill/>
+        </p:spPr>
+        <p:txBody>
+          <a:bodyPr wrap="square">
+            <a:spAutoFit/>
+          </a:bodyPr>
+          <a:lstStyle/>
+          <a:p>
+            <a:pPr marL="0" marR="0" lvl="0" indent="0" algn="l" defTabSz="914400" rtl="0" eaLnBrk="1" fontAlgn="auto" latinLnBrk="0" hangingPunct="1">
+              <a:lnSpc>
+                <a:spcPct val="107000"/>
+              </a:lnSpc>
+              <a:spcBef>
+                <a:spcPts val="0"/>
+              </a:spcBef>
+              <a:spcAft>
+                <a:spcPts val="2400"/>
+              </a:spcAft>
+              <a:buClrTx/>
+              <a:buSzTx/>
+              <a:buFontTx/>
+              <a:buNone/>
+              <a:tabLst/>
+              <a:defRPr/>
+            </a:pPr>
+            <a:r>
+              <a:rPr kumimoji="0" lang="en-US" sz="1800" b="1" i="0" u="none" strike="noStrike" kern="1200" cap="none" spc="0" normalizeH="0" baseline="0" noProof="0" dirty="0">
+                <a:ln>
+                  <a:noFill/>
+                </a:ln>
+                <a:solidFill>
+                  <a:prstClr val="black"/>
+                </a:solidFill>
+                <a:effectLst/>
+                <a:uLnTx/>
+                <a:uFillTx/>
+                <a:latin typeface="Calibri" panose="020F0502020204030204" pitchFamily="34" charset="0"/>
+                <a:ea typeface="Calibri" panose="020F0502020204030204" pitchFamily="34" charset="0"/>
+                <a:cs typeface="Calibri" panose="020F0502020204030204" pitchFamily="34" charset="0"/>
+              </a:rPr>
+              <a:t>Project Name : </a:t>
+            </a:r>
+            <a:endParaRPr kumimoji="0" lang="en-US" sz="1600" b="1" i="0" u="none" strike="noStrike" kern="1200" cap="none" spc="0" normalizeH="0" baseline="0" noProof="0" dirty="0">
+              <a:ln>
+                <a:noFill/>
+              </a:ln>
+              <a:solidFill>
+                <a:prstClr val="black"/>
+              </a:solidFill>
+              <a:effectLst/>
+              <a:uLnTx/>
+              <a:uFillTx/>
+              <a:latin typeface="Calibri" panose="020F0502020204030204" pitchFamily="34" charset="0"/>
+              <a:ea typeface="Calibri" panose="020F0502020204030204" pitchFamily="34" charset="0"/>
+              <a:cs typeface="Calibri" panose="020F0502020204030204" pitchFamily="34" charset="0"/>
+            </a:endParaRPr>
+          </a:p>
+        </p:txBody>
+      </p:sp>
+      <p:sp>
+        <p:nvSpPr>
+          <p:cNvPr id="15" name="FormField_TextBox 14">
+            <a:extLst>
+              <a:ext uri="{FF2B5EF4-FFF2-40B4-BE49-F238E27FC236}">
+                <a16:creationId xmlns:a16="http://schemas.microsoft.com/office/drawing/2014/main" id="{B7999298-A9AB-889F-264D-43DC5A1437EC}"/>
+              </a:ext>
+            </a:extLst>
+          </p:cNvPr>
+          <p:cNvSpPr txBox="1"/>
+          <p:nvPr/>
+        </p:nvSpPr>
+        <p:spPr>
+          <a:xfrm>
+            <a:off x="2553927" y="1792224"/>
+            <a:ext cx="3434466" cy="375552"/>
+          </a:xfrm>
+          <a:prstGeom prst="rect">
+            <a:avLst/>
+          </a:prstGeom>
+          <a:noFill/>
+        </p:spPr>
+        <p:txBody>
+          <a:bodyPr wrap="none" rtlCol="0">
+            <a:spAutoFit/>
+          </a:bodyPr>
+          <a:lstStyle/>
+          <a:p>
+            <a:pPr marL="0" marR="0" lvl="0" indent="0" algn="l" defTabSz="914400" rtl="0" eaLnBrk="1" fontAlgn="auto" latinLnBrk="0" hangingPunct="1">
+              <a:lnSpc>
+                <a:spcPct val="107000"/>
+              </a:lnSpc>
+              <a:spcBef>
+                <a:spcPts val="0"/>
+              </a:spcBef>
+              <a:spcAft>
+                <a:spcPts val="2400"/>
+              </a:spcAft>
+              <a:buClrTx/>
+              <a:buSzTx/>
+              <a:buFontTx/>
+              <a:buNone/>
+              <a:tabLst/>
+              <a:defRPr/>
+            </a:pPr>
+            <a:r>
+              <a:rPr kumimoji="0" lang="en-US" sz="1800" b="0" i="0" u="none" strike="noStrike" kern="1200" cap="none" spc="0" normalizeH="0" baseline="0" noProof="0" dirty="0">
+                <a:ln>
+                  <a:noFill/>
+                </a:ln>
+                <a:solidFill>
+                  <a:prstClr val="black"/>
+                </a:solidFill>
+                <a:effectLst/>
+                <a:uLnTx/>
+                <a:uFillTx/>
+                <a:latin typeface="Calibri" panose="020F0502020204030204" pitchFamily="34" charset="0"/>
+                <a:ea typeface="Calibri" panose="020F0502020204030204" pitchFamily="34" charset="0"/>
+                <a:cs typeface="Calibri" panose="020F0502020204030204" pitchFamily="34" charset="0"/>
+              </a:rPr>
+              <a:t>Website for Adventure works cycle</a:t>
+            </a:r>
+            <a:endParaRPr kumimoji="0" lang="en-US" sz="1600" b="0" i="0" u="none" strike="noStrike" kern="1200" cap="none" spc="0" normalizeH="0" baseline="0" noProof="0" dirty="0">
+              <a:ln>
+                <a:noFill/>
+              </a:ln>
+              <a:solidFill>
+                <a:prstClr val="black"/>
+              </a:solidFill>
+              <a:effectLst/>
+              <a:uLnTx/>
+              <a:uFillTx/>
+              <a:latin typeface="Calibri" panose="020F0502020204030204" pitchFamily="34" charset="0"/>
+              <a:ea typeface="Calibri" panose="020F0502020204030204" pitchFamily="34" charset="0"/>
+              <a:cs typeface="Calibri" panose="020F0502020204030204" pitchFamily="34" charset="0"/>
+            </a:endParaRPr>
+          </a:p>
+        </p:txBody>
+      </p:sp>
+      <p:sp>
+        <p:nvSpPr>
+          <p:cNvPr id="16" name="TextBox 15">
+            <a:extLst>
+              <a:ext uri="{FF2B5EF4-FFF2-40B4-BE49-F238E27FC236}">
+                <a16:creationId xmlns:a16="http://schemas.microsoft.com/office/drawing/2014/main" id="{398BC359-62F2-06AC-C4CB-EB9FB44E2181}"/>
+              </a:ext>
+            </a:extLst>
+          </p:cNvPr>
+          <p:cNvSpPr txBox="1"/>
+          <p:nvPr/>
+        </p:nvSpPr>
+        <p:spPr>
+          <a:xfrm>
+            <a:off x="548640" y="2304288"/>
+            <a:ext cx="2459958" cy="377860"/>
+          </a:xfrm>
+          <a:prstGeom prst="rect">
+            <a:avLst/>
+          </a:prstGeom>
+          <a:noFill/>
+        </p:spPr>
+        <p:txBody>
+          <a:bodyPr wrap="square">
+            <a:spAutoFit/>
+          </a:bodyPr>
+          <a:lstStyle/>
+          <a:p>
+            <a:pPr marL="0" marR="0" lvl="0" indent="0" algn="l" defTabSz="914400" rtl="0" eaLnBrk="1" fontAlgn="auto" latinLnBrk="0" hangingPunct="1">
+              <a:lnSpc>
+                <a:spcPct val="107000"/>
+              </a:lnSpc>
+              <a:spcBef>
+                <a:spcPts val="0"/>
+              </a:spcBef>
+              <a:spcAft>
+                <a:spcPts val="2400"/>
+              </a:spcAft>
+              <a:buClrTx/>
+              <a:buSzTx/>
+              <a:buFontTx/>
+              <a:buNone/>
+              <a:tabLst/>
+              <a:defRPr/>
+            </a:pPr>
+            <a:r>
+              <a:rPr kumimoji="0" lang="en-US" sz="1800" b="1" i="0" u="none" strike="noStrike" kern="1200" cap="none" spc="0" normalizeH="0" baseline="0" noProof="0" dirty="0">
+                <a:ln>
+                  <a:noFill/>
+                </a:ln>
+                <a:solidFill>
+                  <a:prstClr val="black"/>
+                </a:solidFill>
+                <a:effectLst/>
+                <a:uLnTx/>
+                <a:uFillTx/>
+                <a:latin typeface="Calibri" panose="020F0502020204030204" pitchFamily="34" charset="0"/>
+                <a:ea typeface="Calibri" panose="020F0502020204030204" pitchFamily="34" charset="0"/>
+                <a:cs typeface="Calibri" panose="020F0502020204030204" pitchFamily="34" charset="0"/>
+              </a:rPr>
+              <a:t>Project Manager :</a:t>
+            </a:r>
+            <a:r>
+              <a:rPr kumimoji="0" lang="en-US" sz="1800" b="0" i="0" u="none" strike="noStrike" kern="1200" cap="none" spc="0" normalizeH="0" baseline="0" noProof="0" dirty="0">
+                <a:ln>
+                  <a:noFill/>
+                </a:ln>
+                <a:solidFill>
+                  <a:prstClr val="black"/>
+                </a:solidFill>
+                <a:effectLst/>
+                <a:uLnTx/>
+                <a:uFillTx/>
+                <a:latin typeface="Calibri" panose="020F0502020204030204" pitchFamily="34" charset="0"/>
+                <a:ea typeface="Calibri" panose="020F0502020204030204" pitchFamily="34" charset="0"/>
+                <a:cs typeface="Calibri" panose="020F0502020204030204" pitchFamily="34" charset="0"/>
+              </a:rPr>
+              <a:t> </a:t>
+            </a:r>
+            <a:endParaRPr kumimoji="0" lang="en-US" sz="1600" b="0" i="0" u="none" strike="noStrike" kern="1200" cap="none" spc="0" normalizeH="0" baseline="0" noProof="0" dirty="0">
+              <a:ln>
+                <a:noFill/>
+              </a:ln>
+              <a:solidFill>
+                <a:prstClr val="black"/>
+              </a:solidFill>
+              <a:effectLst/>
+              <a:uLnTx/>
+              <a:uFillTx/>
+              <a:latin typeface="Calibri" panose="020F0502020204030204" pitchFamily="34" charset="0"/>
+              <a:ea typeface="Calibri" panose="020F0502020204030204" pitchFamily="34" charset="0"/>
+              <a:cs typeface="Calibri" panose="020F0502020204030204" pitchFamily="34" charset="0"/>
+            </a:endParaRPr>
+          </a:p>
+        </p:txBody>
+      </p:sp>
+      <p:sp>
+        <p:nvSpPr>
+          <p:cNvPr id="17" name="FormField_TextBox 16">
+            <a:extLst>
+              <a:ext uri="{FF2B5EF4-FFF2-40B4-BE49-F238E27FC236}">
+                <a16:creationId xmlns:a16="http://schemas.microsoft.com/office/drawing/2014/main" id="{A17898EB-B710-4263-979C-BAC979F02489}"/>
+              </a:ext>
+            </a:extLst>
+          </p:cNvPr>
+          <p:cNvSpPr txBox="1"/>
+          <p:nvPr/>
+        </p:nvSpPr>
+        <p:spPr>
+          <a:xfrm>
+            <a:off x="2553927" y="2304288"/>
+            <a:ext cx="1522020" cy="375552"/>
+          </a:xfrm>
+          <a:prstGeom prst="rect">
+            <a:avLst/>
+          </a:prstGeom>
+          <a:noFill/>
+        </p:spPr>
+        <p:txBody>
+          <a:bodyPr wrap="none" rtlCol="0">
+            <a:spAutoFit/>
+          </a:bodyPr>
+          <a:lstStyle/>
+          <a:p>
+            <a:pPr marL="0" marR="0" lvl="0" indent="0" algn="l" defTabSz="914400" rtl="0" eaLnBrk="1" fontAlgn="auto" latinLnBrk="0" hangingPunct="1">
+              <a:lnSpc>
+                <a:spcPct val="107000"/>
+              </a:lnSpc>
+              <a:spcBef>
+                <a:spcPts val="0"/>
+              </a:spcBef>
+              <a:spcAft>
+                <a:spcPts val="2400"/>
+              </a:spcAft>
+              <a:buClrTx/>
+              <a:buSzTx/>
+              <a:buFontTx/>
+              <a:buNone/>
+              <a:tabLst/>
+              <a:defRPr/>
+            </a:pPr>
+            <a:r>
+              <a:rPr kumimoji="0" lang="en-US" sz="1800" b="0" i="0" u="none" strike="noStrike" kern="1200" cap="none" spc="0" normalizeH="0" baseline="0" noProof="0" dirty="0">
+                <a:ln>
+                  <a:noFill/>
+                </a:ln>
+                <a:solidFill>
+                  <a:prstClr val="black"/>
+                </a:solidFill>
+                <a:effectLst/>
+                <a:uLnTx/>
+                <a:uFillTx/>
+                <a:latin typeface="Calibri" panose="020F0502020204030204" pitchFamily="34" charset="0"/>
+                <a:ea typeface="Calibri" panose="020F0502020204030204" pitchFamily="34" charset="0"/>
+                <a:cs typeface="Calibri" panose="020F0502020204030204" pitchFamily="34" charset="0"/>
+              </a:rPr>
+              <a:t>Nancy </a:t>
+            </a:r>
+            <a:r>
+              <a:rPr kumimoji="0" lang="en-US" sz="1800" b="0" i="0" u="none" strike="noStrike" kern="1200" cap="none" spc="0" normalizeH="0" baseline="0" noProof="0" dirty="0" err="1">
+                <a:ln>
+                  <a:noFill/>
+                </a:ln>
+                <a:solidFill>
+                  <a:prstClr val="black"/>
+                </a:solidFill>
+                <a:effectLst/>
+                <a:uLnTx/>
+                <a:uFillTx/>
+                <a:latin typeface="Calibri" panose="020F0502020204030204" pitchFamily="34" charset="0"/>
+                <a:ea typeface="Calibri" panose="020F0502020204030204" pitchFamily="34" charset="0"/>
+                <a:cs typeface="Calibri" panose="020F0502020204030204" pitchFamily="34" charset="0"/>
+              </a:rPr>
+              <a:t>Davolio</a:t>
+            </a:r>
+            <a:endParaRPr kumimoji="0" lang="en-US" sz="1600" b="0" i="0" u="none" strike="noStrike" kern="1200" cap="none" spc="0" normalizeH="0" baseline="0" noProof="0" dirty="0">
+              <a:ln>
+                <a:noFill/>
+              </a:ln>
+              <a:solidFill>
+                <a:prstClr val="black"/>
+              </a:solidFill>
+              <a:effectLst/>
+              <a:uLnTx/>
+              <a:uFillTx/>
+              <a:latin typeface="Calibri" panose="020F0502020204030204" pitchFamily="34" charset="0"/>
+              <a:ea typeface="Calibri" panose="020F0502020204030204" pitchFamily="34" charset="0"/>
+              <a:cs typeface="Calibri" panose="020F0502020204030204" pitchFamily="34" charset="0"/>
+            </a:endParaRPr>
+          </a:p>
+        </p:txBody>
+      </p:sp>
+      <p:sp>
+        <p:nvSpPr>
+          <p:cNvPr id="18" name="TextBox 17">
+            <a:extLst>
+              <a:ext uri="{FF2B5EF4-FFF2-40B4-BE49-F238E27FC236}">
+                <a16:creationId xmlns:a16="http://schemas.microsoft.com/office/drawing/2014/main" id="{D136B717-11D3-4971-B044-FBCF4FCCE792}"/>
+              </a:ext>
+            </a:extLst>
+          </p:cNvPr>
+          <p:cNvSpPr txBox="1"/>
+          <p:nvPr/>
+        </p:nvSpPr>
+        <p:spPr>
+          <a:xfrm>
+            <a:off x="7269480" y="950976"/>
+            <a:ext cx="1529310" cy="377860"/>
+          </a:xfrm>
+          <a:prstGeom prst="rect">
+            <a:avLst/>
+          </a:prstGeom>
+          <a:noFill/>
+        </p:spPr>
+        <p:txBody>
+          <a:bodyPr wrap="square">
+            <a:spAutoFit/>
+          </a:bodyPr>
+          <a:lstStyle/>
+          <a:p>
+            <a:pPr marL="0" marR="0" lvl="0" indent="0" algn="l" defTabSz="914400" rtl="0" eaLnBrk="1" fontAlgn="auto" latinLnBrk="0" hangingPunct="1">
+              <a:lnSpc>
+                <a:spcPct val="107000"/>
+              </a:lnSpc>
+              <a:spcBef>
+                <a:spcPts val="0"/>
+              </a:spcBef>
+              <a:spcAft>
+                <a:spcPts val="2400"/>
+              </a:spcAft>
+              <a:buClrTx/>
+              <a:buSzTx/>
+              <a:buFontTx/>
+              <a:buNone/>
+              <a:tabLst/>
+              <a:defRPr/>
+            </a:pPr>
+            <a:r>
+              <a:rPr kumimoji="0" lang="en-US" sz="1800" b="1" i="0" u="none" strike="noStrike" kern="1200" cap="none" spc="0" normalizeH="0" baseline="0" noProof="0" dirty="0">
+                <a:ln>
+                  <a:noFill/>
+                </a:ln>
+                <a:solidFill>
+                  <a:prstClr val="black"/>
+                </a:solidFill>
+                <a:effectLst/>
+                <a:uLnTx/>
+                <a:uFillTx/>
+                <a:latin typeface="Calibri" panose="020F0502020204030204" pitchFamily="34" charset="0"/>
+                <a:ea typeface="Calibri" panose="020F0502020204030204" pitchFamily="34" charset="0"/>
+                <a:cs typeface="Calibri" panose="020F0502020204030204" pitchFamily="34" charset="0"/>
+              </a:rPr>
+              <a:t>Team size :</a:t>
+            </a:r>
+            <a:endParaRPr kumimoji="0" lang="en-US" sz="1600" b="1" i="0" u="none" strike="noStrike" kern="1200" cap="none" spc="0" normalizeH="0" baseline="0" noProof="0" dirty="0">
+              <a:ln>
+                <a:noFill/>
+              </a:ln>
+              <a:solidFill>
+                <a:prstClr val="black"/>
+              </a:solidFill>
+              <a:effectLst/>
+              <a:uLnTx/>
+              <a:uFillTx/>
+              <a:latin typeface="Calibri" panose="020F0502020204030204" pitchFamily="34" charset="0"/>
+              <a:ea typeface="Calibri" panose="020F0502020204030204" pitchFamily="34" charset="0"/>
+              <a:cs typeface="Calibri" panose="020F0502020204030204" pitchFamily="34" charset="0"/>
+            </a:endParaRPr>
+          </a:p>
+        </p:txBody>
+      </p:sp>
+      <p:sp>
+        <p:nvSpPr>
+          <p:cNvPr id="19" name="FormField_TextBox 18">
+            <a:extLst>
+              <a:ext uri="{FF2B5EF4-FFF2-40B4-BE49-F238E27FC236}">
+                <a16:creationId xmlns:a16="http://schemas.microsoft.com/office/drawing/2014/main" id="{5B21B834-966A-2688-BCAF-326339EBDE33}"/>
+              </a:ext>
+            </a:extLst>
+          </p:cNvPr>
+          <p:cNvSpPr txBox="1"/>
+          <p:nvPr/>
+        </p:nvSpPr>
+        <p:spPr>
+          <a:xfrm>
+            <a:off x="8823960" y="950976"/>
+            <a:ext cx="431528" cy="377860"/>
+          </a:xfrm>
+          <a:prstGeom prst="rect">
+            <a:avLst/>
+          </a:prstGeom>
+          <a:noFill/>
+        </p:spPr>
+        <p:txBody>
+          <a:bodyPr wrap="none" rtlCol="0">
+            <a:spAutoFit/>
+          </a:bodyPr>
+          <a:lstStyle/>
+          <a:p>
+            <a:pPr marL="0" marR="0" lvl="0" indent="0" algn="l" defTabSz="914400" rtl="0" eaLnBrk="1" fontAlgn="auto" latinLnBrk="0" hangingPunct="1">
+              <a:lnSpc>
+                <a:spcPct val="107000"/>
+              </a:lnSpc>
+              <a:spcBef>
+                <a:spcPts val="0"/>
+              </a:spcBef>
+              <a:spcAft>
+                <a:spcPts val="2400"/>
+              </a:spcAft>
+              <a:buClrTx/>
+              <a:buSzTx/>
+              <a:buFontTx/>
+              <a:buNone/>
+              <a:tabLst/>
+              <a:defRPr/>
+            </a:pPr>
+            <a:r>
+              <a:rPr kumimoji="0" lang="en-US" sz="1800" b="0" i="0" u="none" strike="noStrike" kern="1200" cap="none" spc="0" normalizeH="0" baseline="0" noProof="0" dirty="0">
+                <a:ln>
+                  <a:noFill/>
+                </a:ln>
+                <a:solidFill>
+                  <a:prstClr val="black"/>
+                </a:solidFill>
+                <a:effectLst/>
+                <a:uLnTx/>
+                <a:uFillTx/>
+                <a:latin typeface="Calibri" panose="020F0502020204030204" pitchFamily="34" charset="0"/>
+                <a:ea typeface="Calibri" panose="020F0502020204030204" pitchFamily="34" charset="0"/>
+                <a:cs typeface="Calibri" panose="020F0502020204030204" pitchFamily="34" charset="0"/>
+              </a:rPr>
+              <a:t>10</a:t>
+            </a:r>
+            <a:endParaRPr kumimoji="0" lang="en-US" sz="1600" b="0" i="0" u="none" strike="noStrike" kern="1200" cap="none" spc="0" normalizeH="0" baseline="0" noProof="0" dirty="0">
+              <a:ln>
+                <a:noFill/>
+              </a:ln>
+              <a:solidFill>
+                <a:prstClr val="black"/>
+              </a:solidFill>
+              <a:effectLst/>
+              <a:uLnTx/>
+              <a:uFillTx/>
+              <a:latin typeface="Calibri" panose="020F0502020204030204" pitchFamily="34" charset="0"/>
+              <a:ea typeface="Calibri" panose="020F0502020204030204" pitchFamily="34" charset="0"/>
+              <a:cs typeface="Calibri" panose="020F0502020204030204" pitchFamily="34" charset="0"/>
+            </a:endParaRPr>
+          </a:p>
+        </p:txBody>
+      </p:sp>
+      <p:sp>
+        <p:nvSpPr>
+          <p:cNvPr id="20" name="TextBox 19">
+            <a:extLst>
+              <a:ext uri="{FF2B5EF4-FFF2-40B4-BE49-F238E27FC236}">
+                <a16:creationId xmlns:a16="http://schemas.microsoft.com/office/drawing/2014/main" id="{405656A6-995A-F969-B802-85CA147C7C38}"/>
+              </a:ext>
+            </a:extLst>
+          </p:cNvPr>
+          <p:cNvSpPr txBox="1"/>
+          <p:nvPr/>
+        </p:nvSpPr>
+        <p:spPr>
+          <a:xfrm>
+            <a:off x="7269480" y="1371600"/>
+            <a:ext cx="1529310" cy="377860"/>
+          </a:xfrm>
+          <a:prstGeom prst="rect">
+            <a:avLst/>
+          </a:prstGeom>
+          <a:noFill/>
+        </p:spPr>
+        <p:txBody>
+          <a:bodyPr wrap="square">
+            <a:spAutoFit/>
+          </a:bodyPr>
+          <a:lstStyle/>
+          <a:p>
+            <a:pPr marL="0" marR="0" lvl="0" indent="0" algn="l" defTabSz="914400" rtl="0" eaLnBrk="1" fontAlgn="auto" latinLnBrk="0" hangingPunct="1">
+              <a:lnSpc>
+                <a:spcPct val="107000"/>
+              </a:lnSpc>
+              <a:spcBef>
+                <a:spcPts val="0"/>
+              </a:spcBef>
+              <a:spcAft>
+                <a:spcPts val="2400"/>
+              </a:spcAft>
+              <a:buClrTx/>
+              <a:buSzTx/>
+              <a:buFontTx/>
+              <a:buNone/>
+              <a:tabLst/>
+              <a:defRPr/>
+            </a:pPr>
+            <a:r>
+              <a:rPr kumimoji="0" lang="en-US" sz="1800" b="1" i="0" u="none" strike="noStrike" kern="1200" cap="none" spc="0" normalizeH="0" baseline="0" noProof="0" dirty="0">
+                <a:ln>
+                  <a:noFill/>
+                </a:ln>
+                <a:solidFill>
+                  <a:prstClr val="black"/>
+                </a:solidFill>
+                <a:effectLst/>
+                <a:uLnTx/>
+                <a:uFillTx/>
+                <a:latin typeface="Calibri" panose="020F0502020204030204" pitchFamily="34" charset="0"/>
+                <a:ea typeface="Calibri" panose="020F0502020204030204" pitchFamily="34" charset="0"/>
+                <a:cs typeface="Calibri" panose="020F0502020204030204" pitchFamily="34" charset="0"/>
+              </a:rPr>
+              <a:t>Platform : </a:t>
+            </a:r>
+            <a:endParaRPr kumimoji="0" lang="en-US" sz="1600" b="1" i="0" u="none" strike="noStrike" kern="1200" cap="none" spc="0" normalizeH="0" baseline="0" noProof="0" dirty="0">
+              <a:ln>
+                <a:noFill/>
+              </a:ln>
+              <a:solidFill>
+                <a:prstClr val="black"/>
+              </a:solidFill>
+              <a:effectLst/>
+              <a:uLnTx/>
+              <a:uFillTx/>
+              <a:latin typeface="Calibri" panose="020F0502020204030204" pitchFamily="34" charset="0"/>
+              <a:ea typeface="Calibri" panose="020F0502020204030204" pitchFamily="34" charset="0"/>
+              <a:cs typeface="Calibri" panose="020F0502020204030204" pitchFamily="34" charset="0"/>
+            </a:endParaRPr>
+          </a:p>
+        </p:txBody>
+      </p:sp>
+      <p:sp>
+        <p:nvSpPr>
+          <p:cNvPr id="21" name="FormField_TextBox 20">
+            <a:extLst>
+              <a:ext uri="{FF2B5EF4-FFF2-40B4-BE49-F238E27FC236}">
+                <a16:creationId xmlns:a16="http://schemas.microsoft.com/office/drawing/2014/main" id="{62853D8A-7E05-98FC-3526-19891F888550}"/>
+              </a:ext>
+            </a:extLst>
+          </p:cNvPr>
+          <p:cNvSpPr txBox="1"/>
+          <p:nvPr/>
+        </p:nvSpPr>
+        <p:spPr>
+          <a:xfrm>
+            <a:off x="8823960" y="1371600"/>
+            <a:ext cx="943913" cy="375552"/>
+          </a:xfrm>
+          <a:prstGeom prst="rect">
+            <a:avLst/>
+          </a:prstGeom>
+          <a:noFill/>
+        </p:spPr>
+        <p:txBody>
+          <a:bodyPr wrap="none" rtlCol="0">
+            <a:spAutoFit/>
+          </a:bodyPr>
+          <a:lstStyle/>
+          <a:p>
+            <a:pPr marL="0" marR="0" lvl="0" indent="0" algn="l" defTabSz="914400" rtl="0" eaLnBrk="1" fontAlgn="auto" latinLnBrk="0" hangingPunct="1">
+              <a:lnSpc>
+                <a:spcPct val="107000"/>
+              </a:lnSpc>
+              <a:spcBef>
+                <a:spcPts val="0"/>
+              </a:spcBef>
+              <a:spcAft>
+                <a:spcPts val="2400"/>
+              </a:spcAft>
+              <a:buClrTx/>
+              <a:buSzTx/>
+              <a:buFontTx/>
+              <a:buNone/>
+              <a:tabLst/>
+              <a:defRPr/>
+            </a:pPr>
+            <a:r>
+              <a:rPr kumimoji="0" lang="en-US" sz="1800" b="0" i="0" u="none" strike="noStrike" kern="1200" cap="none" spc="0" normalizeH="0" baseline="0" noProof="0" dirty="0">
+                <a:ln>
+                  <a:noFill/>
+                </a:ln>
+                <a:solidFill>
+                  <a:prstClr val="black"/>
+                </a:solidFill>
+                <a:effectLst/>
+                <a:uLnTx/>
+                <a:uFillTx/>
+                <a:latin typeface="Calibri" panose="020F0502020204030204" pitchFamily="34" charset="0"/>
+                <a:ea typeface="Calibri" panose="020F0502020204030204" pitchFamily="34" charset="0"/>
+                <a:cs typeface="Calibri" panose="020F0502020204030204" pitchFamily="34" charset="0"/>
+              </a:rPr>
+              <a:t>ASP.NET</a:t>
+            </a:r>
+            <a:endParaRPr kumimoji="0" lang="en-US" sz="1600" b="0" i="0" u="none" strike="noStrike" kern="1200" cap="none" spc="0" normalizeH="0" baseline="0" noProof="0" dirty="0">
+              <a:ln>
+                <a:noFill/>
+              </a:ln>
+              <a:solidFill>
+                <a:prstClr val="black"/>
+              </a:solidFill>
+              <a:effectLst/>
+              <a:uLnTx/>
+              <a:uFillTx/>
+              <a:latin typeface="Calibri" panose="020F0502020204030204" pitchFamily="34" charset="0"/>
+              <a:ea typeface="Calibri" panose="020F0502020204030204" pitchFamily="34" charset="0"/>
+              <a:cs typeface="Calibri" panose="020F0502020204030204" pitchFamily="34" charset="0"/>
+            </a:endParaRPr>
+          </a:p>
+        </p:txBody>
+      </p:sp>
+      <p:sp>
+        <p:nvSpPr>
+          <p:cNvPr id="22" name="TextBox 21">
+            <a:extLst>
+              <a:ext uri="{FF2B5EF4-FFF2-40B4-BE49-F238E27FC236}">
+                <a16:creationId xmlns:a16="http://schemas.microsoft.com/office/drawing/2014/main" id="{C164C8A2-E2E5-A20A-E797-867D92DF49F3}"/>
+              </a:ext>
+            </a:extLst>
+          </p:cNvPr>
+          <p:cNvSpPr txBox="1"/>
+          <p:nvPr/>
+        </p:nvSpPr>
+        <p:spPr>
+          <a:xfrm>
+            <a:off x="7269480" y="1792224"/>
+            <a:ext cx="1529310" cy="369332"/>
+          </a:xfrm>
+          <a:prstGeom prst="rect">
+            <a:avLst/>
+          </a:prstGeom>
+          <a:noFill/>
+        </p:spPr>
+        <p:txBody>
+          <a:bodyPr wrap="square">
+            <a:spAutoFit/>
+          </a:bodyPr>
+          <a:lstStyle/>
+          <a:p>
+            <a:pPr marL="0" marR="0" lvl="0" indent="0" algn="l" defTabSz="914400" rtl="0" eaLnBrk="1" fontAlgn="auto" latinLnBrk="0" hangingPunct="1">
+              <a:lnSpc>
+                <a:spcPct val="100000"/>
+              </a:lnSpc>
+              <a:spcBef>
+                <a:spcPts val="0"/>
+              </a:spcBef>
+              <a:spcAft>
+                <a:spcPts val="0"/>
+              </a:spcAft>
+              <a:buClrTx/>
+              <a:buSzTx/>
+              <a:buFontTx/>
+              <a:buNone/>
+              <a:tabLst/>
+              <a:defRPr/>
+            </a:pPr>
+            <a:r>
+              <a:rPr kumimoji="0" lang="en-US" sz="1800" b="1" i="0" u="none" strike="noStrike" kern="1200" cap="none" spc="0" normalizeH="0" baseline="0" noProof="0" dirty="0">
+                <a:ln>
+                  <a:noFill/>
+                </a:ln>
+                <a:solidFill>
+                  <a:prstClr val="black"/>
+                </a:solidFill>
+                <a:effectLst/>
+                <a:uLnTx/>
+                <a:uFillTx/>
+                <a:latin typeface="Calibri" panose="020F0502020204030204" pitchFamily="34" charset="0"/>
+                <a:ea typeface="Calibri" panose="020F0502020204030204" pitchFamily="34" charset="0"/>
+                <a:cs typeface="Calibri" panose="020F0502020204030204" pitchFamily="34" charset="0"/>
+              </a:rPr>
+              <a:t>Start Date :</a:t>
+            </a:r>
+          </a:p>
+        </p:txBody>
+      </p:sp>
+      <p:sp>
+        <p:nvSpPr>
+          <p:cNvPr id="23" name="FormField_TextBox 22">
+            <a:extLst>
+              <a:ext uri="{FF2B5EF4-FFF2-40B4-BE49-F238E27FC236}">
+                <a16:creationId xmlns:a16="http://schemas.microsoft.com/office/drawing/2014/main" id="{AB939302-6A65-F684-5DDD-E6C2DA5686C4}"/>
+              </a:ext>
+            </a:extLst>
+          </p:cNvPr>
+          <p:cNvSpPr txBox="1"/>
+          <p:nvPr/>
+        </p:nvSpPr>
+        <p:spPr>
+          <a:xfrm>
+            <a:off x="8823960" y="1792224"/>
+            <a:ext cx="1183337" cy="369332"/>
+          </a:xfrm>
+          <a:prstGeom prst="rect">
+            <a:avLst/>
+          </a:prstGeom>
+          <a:noFill/>
+        </p:spPr>
+        <p:txBody>
+          <a:bodyPr wrap="none" rtlCol="0">
+            <a:spAutoFit/>
+          </a:bodyPr>
+          <a:lstStyle/>
+          <a:p>
+            <a:pPr marL="0" marR="0" lvl="0" indent="0" algn="l" defTabSz="914400" rtl="0" eaLnBrk="1" fontAlgn="auto" latinLnBrk="0" hangingPunct="1">
+              <a:lnSpc>
+                <a:spcPct val="100000"/>
+              </a:lnSpc>
+              <a:spcBef>
+                <a:spcPts val="0"/>
+              </a:spcBef>
+              <a:spcAft>
+                <a:spcPts val="0"/>
+              </a:spcAft>
+              <a:buClrTx/>
+              <a:buSzTx/>
+              <a:buFontTx/>
+              <a:buNone/>
+              <a:tabLst/>
+              <a:defRPr/>
+            </a:pPr>
+            <a:r>
+              <a:rPr kumimoji="0" lang="en-US" sz="1800" b="0" i="0" u="none" strike="noStrike" kern="1200" cap="none" spc="0" normalizeH="0" baseline="0" noProof="0" dirty="0">
+                <a:ln>
+                  <a:noFill/>
+                </a:ln>
+                <a:solidFill>
+                  <a:srgbClr val="000000"/>
+                </a:solidFill>
+                <a:effectLst/>
+                <a:uLnTx/>
+                <a:uFillTx/>
+                <a:latin typeface="Calibri" panose="020F0502020204030204" pitchFamily="34" charset="0"/>
+                <a:ea typeface="Calibri" panose="020F0502020204030204" pitchFamily="34" charset="0"/>
+                <a:cs typeface="Calibri" panose="020F0502020204030204" pitchFamily="34" charset="0"/>
+              </a:rPr>
+              <a:t>2/27/2025</a:t>
+            </a:r>
+            <a:endParaRPr kumimoji="0" lang="en-US" sz="1800" b="0" i="0" u="none" strike="noStrike" kern="1200" cap="none" spc="0" normalizeH="0" baseline="0" noProof="0" dirty="0">
+              <a:ln>
+                <a:noFill/>
+              </a:ln>
+              <a:solidFill>
+                <a:prstClr val="black"/>
+              </a:solidFill>
+              <a:effectLst/>
+              <a:uLnTx/>
+              <a:uFillTx/>
+              <a:latin typeface="Calibri" panose="020F0502020204030204" pitchFamily="34" charset="0"/>
+              <a:ea typeface="Calibri" panose="020F0502020204030204" pitchFamily="34" charset="0"/>
+              <a:cs typeface="Calibri" panose="020F0502020204030204" pitchFamily="34" charset="0"/>
+            </a:endParaRPr>
+          </a:p>
+        </p:txBody>
+      </p:sp>
+      <p:sp>
+        <p:nvSpPr>
+          <p:cNvPr id="24" name="TextBox 23">
+            <a:extLst>
+              <a:ext uri="{FF2B5EF4-FFF2-40B4-BE49-F238E27FC236}">
+                <a16:creationId xmlns:a16="http://schemas.microsoft.com/office/drawing/2014/main" id="{E4BB967E-EC6B-64B4-18E4-2F07CD25E606}"/>
+              </a:ext>
+            </a:extLst>
+          </p:cNvPr>
+          <p:cNvSpPr txBox="1"/>
+          <p:nvPr/>
+        </p:nvSpPr>
+        <p:spPr>
+          <a:xfrm>
+            <a:off x="7269480" y="2304288"/>
+            <a:ext cx="1529310" cy="369332"/>
+          </a:xfrm>
+          <a:prstGeom prst="rect">
+            <a:avLst/>
+          </a:prstGeom>
+          <a:noFill/>
+        </p:spPr>
+        <p:txBody>
+          <a:bodyPr wrap="square">
+            <a:spAutoFit/>
+          </a:bodyPr>
+          <a:lstStyle/>
+          <a:p>
+            <a:pPr marL="0" marR="0" lvl="0" indent="0" algn="l" defTabSz="914400" rtl="0" eaLnBrk="1" fontAlgn="auto" latinLnBrk="0" hangingPunct="1">
+              <a:lnSpc>
+                <a:spcPct val="100000"/>
+              </a:lnSpc>
+              <a:spcBef>
+                <a:spcPts val="0"/>
+              </a:spcBef>
+              <a:spcAft>
+                <a:spcPts val="0"/>
+              </a:spcAft>
+              <a:buClrTx/>
+              <a:buSzTx/>
+              <a:buFontTx/>
+              <a:buNone/>
+              <a:tabLst/>
+              <a:defRPr/>
+            </a:pPr>
+            <a:r>
+              <a:rPr kumimoji="0" lang="en-US" sz="1800" b="1" i="0" u="none" strike="noStrike" kern="1200" cap="none" spc="0" normalizeH="0" baseline="0" noProof="0" dirty="0">
+                <a:ln>
+                  <a:noFill/>
+                </a:ln>
+                <a:solidFill>
+                  <a:prstClr val="black"/>
+                </a:solidFill>
+                <a:effectLst/>
+                <a:uLnTx/>
+                <a:uFillTx/>
+                <a:latin typeface="Calibri" panose="020F0502020204030204" pitchFamily="34" charset="0"/>
+                <a:ea typeface="Calibri" panose="020F0502020204030204" pitchFamily="34" charset="0"/>
+                <a:cs typeface="Calibri" panose="020F0502020204030204" pitchFamily="34" charset="0"/>
+              </a:rPr>
+              <a:t>End Date :</a:t>
+            </a:r>
+          </a:p>
+        </p:txBody>
+      </p:sp>
+      <p:sp>
+        <p:nvSpPr>
+          <p:cNvPr id="25" name="FormField_TextBox 24">
+            <a:extLst>
+              <a:ext uri="{FF2B5EF4-FFF2-40B4-BE49-F238E27FC236}">
+                <a16:creationId xmlns:a16="http://schemas.microsoft.com/office/drawing/2014/main" id="{BBAB2B1F-AB52-212E-0AEC-C610A5F335D4}"/>
+              </a:ext>
+            </a:extLst>
+          </p:cNvPr>
+          <p:cNvSpPr txBox="1"/>
+          <p:nvPr/>
+        </p:nvSpPr>
+        <p:spPr>
+          <a:xfrm>
+            <a:off x="8823960" y="2304288"/>
+            <a:ext cx="1183337" cy="369332"/>
+          </a:xfrm>
+          <a:prstGeom prst="rect">
+            <a:avLst/>
+          </a:prstGeom>
+          <a:noFill/>
+        </p:spPr>
+        <p:txBody>
+          <a:bodyPr wrap="none" rtlCol="0">
+            <a:spAutoFit/>
+          </a:bodyPr>
+          <a:lstStyle/>
+          <a:p>
+            <a:pPr marL="0" marR="0" lvl="0" indent="0" algn="l" defTabSz="914400" rtl="0" eaLnBrk="1" fontAlgn="auto" latinLnBrk="0" hangingPunct="1">
+              <a:lnSpc>
+                <a:spcPct val="100000"/>
+              </a:lnSpc>
+              <a:spcBef>
+                <a:spcPts val="0"/>
+              </a:spcBef>
+              <a:spcAft>
+                <a:spcPts val="0"/>
+              </a:spcAft>
+              <a:buClrTx/>
+              <a:buSzTx/>
+              <a:buFontTx/>
+              <a:buNone/>
+              <a:tabLst/>
+              <a:defRPr/>
+            </a:pPr>
+            <a:r>
+              <a:rPr kumimoji="0" lang="en-US" sz="1800" b="0" i="0" u="none" strike="noStrike" kern="1200" cap="none" spc="0" normalizeH="0" baseline="0" noProof="0" dirty="0">
+                <a:ln>
+                  <a:noFill/>
+                </a:ln>
+                <a:solidFill>
+                  <a:srgbClr val="000000"/>
+                </a:solidFill>
+                <a:effectLst/>
+                <a:uLnTx/>
+                <a:uFillTx/>
+                <a:latin typeface="Calibri" panose="020F0502020204030204" pitchFamily="34" charset="0"/>
+                <a:ea typeface="Calibri" panose="020F0502020204030204" pitchFamily="34" charset="0"/>
+                <a:cs typeface="Calibri" panose="020F0502020204030204" pitchFamily="34" charset="0"/>
+              </a:rPr>
+              <a:t>4/20/2025</a:t>
+            </a:r>
+            <a:endParaRPr kumimoji="0" lang="en-US" sz="1800" b="0" i="0" u="none" strike="noStrike" kern="1200" cap="none" spc="0" normalizeH="0" baseline="0" noProof="0" dirty="0">
+              <a:ln>
+                <a:noFill/>
+              </a:ln>
+              <a:solidFill>
+                <a:prstClr val="black"/>
+              </a:solidFill>
+              <a:effectLst/>
+              <a:uLnTx/>
+              <a:uFillTx/>
+              <a:latin typeface="Calibri" panose="020F0502020204030204" pitchFamily="34" charset="0"/>
+              <a:ea typeface="Calibri" panose="020F0502020204030204" pitchFamily="34" charset="0"/>
+              <a:cs typeface="Calibri" panose="020F0502020204030204" pitchFamily="34" charset="0"/>
+            </a:endParaRPr>
+          </a:p>
+        </p:txBody>
+      </p:sp>
+    </p:spTree>
+    <p:extLst>
+      <p:ext uri="{BB962C8B-B14F-4D97-AF65-F5344CB8AC3E}">
+        <p14:creationId xmlns:p14="http://schemas.microsoft.com/office/powerpoint/2010/main" val="3801614698"/>
+      </p:ext>
+    </p:extLst>
+  </p:cSld>
+  <p:clrMapOvr>
+    <a:masterClrMapping/>
+  </p:clrMapOvr>
+</p:sld>
+</file>
+
+<file path=ppt/slides/slide3.xml><?xml version="1.0" encoding="utf-8"?>
+<p:sld xmlns:a="http://schemas.openxmlformats.org/drawingml/2006/main" xmlns:r="http://schemas.openxmlformats.org/officeDocument/2006/relationships" xmlns:p="http://schemas.openxmlformats.org/presentationml/2006/main">
+  <p:cSld>
+    <p:spTree>
+      <p:nvGrpSpPr>
+        <p:cNvPr id="1" name=""/>
+        <p:cNvGrpSpPr/>
+        <p:nvPr/>
+      </p:nvGrpSpPr>
+      <p:grpSpPr>
+        <a:xfrm>
+          <a:off x="0" y="0"/>
+          <a:ext cx="0" cy="0"/>
+          <a:chOff x="0" y="0"/>
+          <a:chExt cx="0" cy="0"/>
+        </a:xfrm>
+      </p:grpSpPr>
+      <p:pic>
+        <p:nvPicPr>
+          <p:cNvPr id="3" name="Picture 2">
+            <a:extLst>
+              <a:ext uri="{FF2B5EF4-FFF2-40B4-BE49-F238E27FC236}">
+                <a16:creationId xmlns:a16="http://schemas.microsoft.com/office/drawing/2014/main" id="{AF8032F8-941F-B645-4104-0D0D62064103}"/>
+              </a:ext>
+            </a:extLst>
+          </p:cNvPr>
+          <p:cNvPicPr>
+            <a:picLocks noChangeAspect="1"/>
+          </p:cNvPicPr>
+          <p:nvPr/>
+        </p:nvPicPr>
+        <p:blipFill>
+          <a:blip r:embed="rId2"/>
+          <a:stretch>
+            <a:fillRect/>
+          </a:stretch>
+        </p:blipFill>
+        <p:spPr>
+          <a:xfrm>
+            <a:off x="881031" y="2171546"/>
+            <a:ext cx="10429938" cy="2734751"/>
+          </a:xfrm>
+          <a:prstGeom prst="rect">
+            <a:avLst/>
+          </a:prstGeom>
+        </p:spPr>
+      </p:pic>
+      <p:sp>
+        <p:nvSpPr>
+          <p:cNvPr id="4" name="TextBox 3">
+            <a:extLst>
+              <a:ext uri="{FF2B5EF4-FFF2-40B4-BE49-F238E27FC236}">
+                <a16:creationId xmlns:a16="http://schemas.microsoft.com/office/drawing/2014/main" id="{DDE85D2D-86B1-164E-8E2B-854A76E013C1}"/>
+              </a:ext>
+            </a:extLst>
+          </p:cNvPr>
+          <p:cNvSpPr txBox="1"/>
+          <p:nvPr/>
+        </p:nvSpPr>
+        <p:spPr>
+          <a:xfrm>
+            <a:off x="881031" y="701619"/>
+            <a:ext cx="7159850" cy="595932"/>
+          </a:xfrm>
+          <a:prstGeom prst="rect">
+            <a:avLst/>
+          </a:prstGeom>
+          <a:noFill/>
+        </p:spPr>
+        <p:txBody>
+          <a:bodyPr wrap="square">
+            <a:spAutoFit/>
+          </a:bodyPr>
+          <a:lstStyle/>
+          <a:p>
+            <a:pPr marL="0" marR="0" lvl="0" indent="0" algn="l" defTabSz="914400" rtl="0" eaLnBrk="1" fontAlgn="auto" latinLnBrk="0" hangingPunct="1">
+              <a:lnSpc>
+                <a:spcPct val="107000"/>
+              </a:lnSpc>
+              <a:spcBef>
+                <a:spcPts val="0"/>
+              </a:spcBef>
+              <a:spcAft>
+                <a:spcPts val="800"/>
+              </a:spcAft>
+              <a:buClrTx/>
+              <a:buSzTx/>
+              <a:buFontTx/>
+              <a:buNone/>
+              <a:tabLst/>
+              <a:defRPr/>
+            </a:pPr>
+            <a:r>
+              <a:rPr kumimoji="0" lang="en-US" sz="3200" b="1" i="0" u="none" strike="noStrike" kern="1200" cap="none" spc="0" normalizeH="0" baseline="0" noProof="0" dirty="0">
+                <a:ln>
+                  <a:noFill/>
+                </a:ln>
+                <a:solidFill>
+                  <a:prstClr val="black"/>
+                </a:solidFill>
+                <a:effectLst/>
+                <a:uLnTx/>
+                <a:uFillTx/>
+                <a:latin typeface="Calibri" panose="020F0502020204030204" pitchFamily="34" charset="0"/>
+                <a:ea typeface="Calibri" panose="020F0502020204030204" pitchFamily="34" charset="0"/>
+                <a:cs typeface="Calibri" panose="020F0502020204030204" pitchFamily="34" charset="0"/>
+              </a:rPr>
+              <a:t>EMF Image of Company Structure</a:t>
+            </a:r>
+            <a:endParaRPr kumimoji="0" lang="en-US" sz="1800" b="1" i="0" u="none" strike="noStrike" kern="1200" cap="none" spc="0" normalizeH="0" baseline="0" noProof="0" dirty="0">
+              <a:ln>
+                <a:noFill/>
+              </a:ln>
+              <a:solidFill>
+                <a:prstClr val="black"/>
+              </a:solidFill>
+              <a:effectLst/>
+              <a:uLnTx/>
+              <a:uFillTx/>
+              <a:latin typeface="Calibri" panose="020F0502020204030204" pitchFamily="34" charset="0"/>
+              <a:ea typeface="Calibri" panose="020F0502020204030204" pitchFamily="34" charset="0"/>
+              <a:cs typeface="Calibri" panose="020F0502020204030204" pitchFamily="34" charset="0"/>
+            </a:endParaRPr>
+          </a:p>
+        </p:txBody>
+      </p:sp>
+    </p:spTree>
+    <p:extLst>
+      <p:ext uri="{BB962C8B-B14F-4D97-AF65-F5344CB8AC3E}">
+        <p14:creationId xmlns:p14="http://schemas.microsoft.com/office/powerpoint/2010/main" val="3506071358"/>
+      </p:ext>
+    </p:extLst>
+  </p:cSld>
+  <p:clrMapOvr>
+    <a:masterClrMapping/>
+  </p:clrMapOvr>
+</p:sld>
+</file>
+
+<file path=ppt/slides/slide4.xml><?xml version="1.0" encoding="utf-8"?>
+<p:sld xmlns:a="http://schemas.openxmlformats.org/drawingml/2006/main" xmlns:r="http://schemas.openxmlformats.org/officeDocument/2006/relationships" xmlns:p="http://schemas.openxmlformats.org/presentationml/2006/main">
+  <p:cSld>
+    <p:spTree>
+      <p:nvGrpSpPr>
+        <p:cNvPr id="1" name=""/>
+        <p:cNvGrpSpPr/>
+        <p:nvPr/>
+      </p:nvGrpSpPr>
+      <p:grpSpPr>
+        <a:xfrm>
+          <a:off x="0" y="0"/>
+          <a:ext cx="0" cy="0"/>
+          <a:chOff x="0" y="0"/>
+          <a:chExt cx="0" cy="0"/>
+        </a:xfrm>
+      </p:grpSpPr>
       <p:sp>
         <p:nvSpPr>
           <p:cNvPr id="2" name="Title 1"/>
@@ -4759,7 +6664,7 @@
 </p:sld>
 </file>
 
-<file path=ppt/slides/slide3.xml><?xml version="1.0" encoding="utf-8"?>
+<file path=ppt/slides/slide5.xml><?xml version="1.0" encoding="utf-8"?>
 <p:sld xmlns:a="http://schemas.openxmlformats.org/drawingml/2006/main" xmlns:r="http://schemas.openxmlformats.org/officeDocument/2006/relationships" xmlns:p="http://schemas.openxmlformats.org/presentationml/2006/main">
   <p:cSld>
     <p:spTree>
@@ -5333,7 +7238,7 @@
 </p:sld>
 </file>
 
-<file path=ppt/slides/slide4.xml><?xml version="1.0" encoding="utf-8"?>
+<file path=ppt/slides/slide6.xml><?xml version="1.0" encoding="utf-8"?>
 <p:sld xmlns:a="http://schemas.openxmlformats.org/drawingml/2006/main" xmlns:r="http://schemas.openxmlformats.org/officeDocument/2006/relationships" xmlns:p="http://schemas.openxmlformats.org/presentationml/2006/main">
   <p:cSld>
     <p:spTree>
@@ -5391,7 +7296,7 @@
 </p:sld>
 </file>
 
-<file path=ppt/slides/slide5.xml><?xml version="1.0" encoding="utf-8"?>
+<file path=ppt/slides/slide7.xml><?xml version="1.0" encoding="utf-8"?>
 <p:sld xmlns:a="http://schemas.openxmlformats.org/drawingml/2006/main" xmlns:r="http://schemas.openxmlformats.org/officeDocument/2006/relationships" xmlns:p="http://schemas.openxmlformats.org/presentationml/2006/main">
   <p:cSld>
     <p:spTree>
